--- a/team-4.pptx
+++ b/team-4.pptx
@@ -222,7 +222,7 @@
           <a:p>
             <a:fld id="{4851D111-D2ED-4D1A-A308-D984A0D9EC14}" type="datetimeFigureOut">
               <a:rPr lang="zh-CN" altLang="en-US" smtClean="0"/>
-              <a:t>2022/11/1</a:t>
+              <a:t>2022/11/2</a:t>
             </a:fld>
             <a:endParaRPr lang="zh-CN" altLang="en-US"/>
           </a:p>
@@ -1560,7 +1560,7 @@
           <a:p>
             <a:fld id="{EB5C08A1-7713-47CE-97B4-863D833656A0}" type="datetimeFigureOut">
               <a:rPr lang="id-ID" smtClean="0"/>
-              <a:t>01/11/2022</a:t>
+              <a:t>02/11/2022</a:t>
             </a:fld>
             <a:endParaRPr lang="id-ID"/>
           </a:p>
@@ -1704,7 +1704,7 @@
           <a:p>
             <a:fld id="{EB5C08A1-7713-47CE-97B4-863D833656A0}" type="datetimeFigureOut">
               <a:rPr lang="id-ID" smtClean="0"/>
-              <a:t>01/11/2022</a:t>
+              <a:t>02/11/2022</a:t>
             </a:fld>
             <a:endParaRPr lang="id-ID"/>
           </a:p>
@@ -2009,7 +2009,7 @@
           <a:p>
             <a:fld id="{EB5C08A1-7713-47CE-97B4-863D833656A0}" type="datetimeFigureOut">
               <a:rPr lang="id-ID" smtClean="0"/>
-              <a:t>01/11/2022</a:t>
+              <a:t>02/11/2022</a:t>
             </a:fld>
             <a:endParaRPr lang="id-ID"/>
           </a:p>
@@ -2290,7 +2290,7 @@
           <a:p>
             <a:fld id="{EB5C08A1-7713-47CE-97B4-863D833656A0}" type="datetimeFigureOut">
               <a:rPr lang="id-ID" smtClean="0"/>
-              <a:t>01/11/2022</a:t>
+              <a:t>02/11/2022</a:t>
             </a:fld>
             <a:endParaRPr lang="id-ID"/>
           </a:p>
@@ -2495,7 +2495,7 @@
           <a:p>
             <a:fld id="{EB5C08A1-7713-47CE-97B4-863D833656A0}" type="datetimeFigureOut">
               <a:rPr lang="id-ID" smtClean="0"/>
-              <a:t>01/11/2022</a:t>
+              <a:t>02/11/2022</a:t>
             </a:fld>
             <a:endParaRPr lang="id-ID"/>
           </a:p>
@@ -2700,7 +2700,7 @@
           <a:p>
             <a:fld id="{EB5C08A1-7713-47CE-97B4-863D833656A0}" type="datetimeFigureOut">
               <a:rPr lang="id-ID" smtClean="0"/>
-              <a:t>01/11/2022</a:t>
+              <a:t>02/11/2022</a:t>
             </a:fld>
             <a:endParaRPr lang="id-ID"/>
           </a:p>
@@ -2905,7 +2905,7 @@
           <a:p>
             <a:fld id="{EB5C08A1-7713-47CE-97B4-863D833656A0}" type="datetimeFigureOut">
               <a:rPr lang="id-ID" smtClean="0"/>
-              <a:t>01/11/2022</a:t>
+              <a:t>02/11/2022</a:t>
             </a:fld>
             <a:endParaRPr lang="id-ID"/>
           </a:p>
@@ -3176,7 +3176,7 @@
           <a:p>
             <a:fld id="{EB5C08A1-7713-47CE-97B4-863D833656A0}" type="datetimeFigureOut">
               <a:rPr lang="id-ID" smtClean="0"/>
-              <a:t>01/11/2022</a:t>
+              <a:t>02/11/2022</a:t>
             </a:fld>
             <a:endParaRPr lang="id-ID"/>
           </a:p>
@@ -3441,7 +3441,7 @@
           <a:p>
             <a:fld id="{EB5C08A1-7713-47CE-97B4-863D833656A0}" type="datetimeFigureOut">
               <a:rPr lang="id-ID" smtClean="0"/>
-              <a:t>01/11/2022</a:t>
+              <a:t>02/11/2022</a:t>
             </a:fld>
             <a:endParaRPr lang="id-ID"/>
           </a:p>
@@ -3842,7 +3842,7 @@
           <a:p>
             <a:fld id="{EB5C08A1-7713-47CE-97B4-863D833656A0}" type="datetimeFigureOut">
               <a:rPr lang="id-ID" smtClean="0"/>
-              <a:t>01/11/2022</a:t>
+              <a:t>02/11/2022</a:t>
             </a:fld>
             <a:endParaRPr lang="id-ID"/>
           </a:p>
@@ -3987,7 +3987,7 @@
           <a:p>
             <a:fld id="{EB5C08A1-7713-47CE-97B4-863D833656A0}" type="datetimeFigureOut">
               <a:rPr lang="id-ID" smtClean="0"/>
-              <a:t>01/11/2022</a:t>
+              <a:t>02/11/2022</a:t>
             </a:fld>
             <a:endParaRPr lang="id-ID"/>
           </a:p>
@@ -4101,7 +4101,7 @@
           <a:p>
             <a:fld id="{EB5C08A1-7713-47CE-97B4-863D833656A0}" type="datetimeFigureOut">
               <a:rPr lang="id-ID" smtClean="0"/>
-              <a:t>01/11/2022</a:t>
+              <a:t>02/11/2022</a:t>
             </a:fld>
             <a:endParaRPr lang="id-ID"/>
           </a:p>
@@ -4215,7 +4215,7 @@
           <a:p>
             <a:fld id="{EB5C08A1-7713-47CE-97B4-863D833656A0}" type="datetimeFigureOut">
               <a:rPr lang="id-ID" smtClean="0"/>
-              <a:t>01/11/2022</a:t>
+              <a:t>02/11/2022</a:t>
             </a:fld>
             <a:endParaRPr lang="id-ID"/>
           </a:p>
@@ -13830,7 +13830,7 @@
                 <a:ea typeface="等线" panose="02010600030101010101" pitchFamily="2" charset="-122"/>
                 <a:cs typeface="+mn-ea"/>
               </a:rPr>
-              <a:t>An international e-commerce company based wants to discover key insights from their customer database. They want to use some of the most advanced machine learning techniques to study their customers. The company sells electronic products.</a:t>
+              <a:t>An international e-commerce company wants to discover key insights from their customer database. They want to use some of the most advanced machine learning techniques to study their customers. The company sells electronic products.</a:t>
             </a:r>
             <a:endParaRPr lang="en-US" altLang="zh-CN" sz="1800" dirty="0">
               <a:solidFill>
@@ -17277,8 +17277,8 @@
         </p:nvSpPr>
         <p:spPr>
           <a:xfrm>
-            <a:off x="2362396" y="1170271"/>
-            <a:ext cx="9003771" cy="5632311"/>
+            <a:off x="2292467" y="1082995"/>
+            <a:ext cx="8909662" cy="5909310"/>
           </a:xfrm>
           <a:prstGeom prst="rect">
             <a:avLst/>
@@ -17291,76 +17291,12 @@
           </a:bodyPr>
           <a:lstStyle/>
           <a:p>
-            <a:pPr algn="l" fontAlgn="base"/>
-            <a:r>
-              <a:rPr lang="en-US" altLang="zh-CN" dirty="0">
-                <a:solidFill>
-                  <a:srgbClr val="000000">
-                    <a:lumMod val="75000"/>
-                    <a:lumOff val="25000"/>
-                  </a:srgbClr>
-                </a:solidFill>
-                <a:latin typeface="等线" panose="02010600030101010101" pitchFamily="2" charset="-122"/>
-                <a:ea typeface="等线" panose="02010600030101010101" pitchFamily="2" charset="-122"/>
-                <a:cs typeface="+mn-ea"/>
-              </a:rPr>
-              <a:t>The dataset used for model building contained 10999 observations of 12 variables.</a:t>
-            </a:r>
-            <a:br>
-              <a:rPr lang="en-US" altLang="zh-CN" dirty="0">
-                <a:solidFill>
-                  <a:srgbClr val="000000">
-                    <a:lumMod val="75000"/>
-                    <a:lumOff val="25000"/>
-                  </a:srgbClr>
-                </a:solidFill>
-                <a:latin typeface="等线" panose="02010600030101010101" pitchFamily="2" charset="-122"/>
-                <a:ea typeface="等线" panose="02010600030101010101" pitchFamily="2" charset="-122"/>
-                <a:cs typeface="+mn-ea"/>
-              </a:rPr>
-            </a:br>
-            <a:r>
-              <a:rPr lang="en-US" altLang="zh-CN" dirty="0">
-                <a:solidFill>
-                  <a:srgbClr val="000000">
-                    <a:lumMod val="75000"/>
-                    <a:lumOff val="25000"/>
-                  </a:srgbClr>
-                </a:solidFill>
-                <a:latin typeface="等线" panose="02010600030101010101" pitchFamily="2" charset="-122"/>
-                <a:ea typeface="等线" panose="02010600030101010101" pitchFamily="2" charset="-122"/>
-                <a:cs typeface="+mn-ea"/>
-              </a:rPr>
-              <a:t>The data contains the following information:</a:t>
-            </a:r>
-          </a:p>
-          <a:p>
             <a:pPr algn="l" fontAlgn="base">
               <a:buFont typeface="Arial" panose="020B0604020202020204" pitchFamily="34" charset="0"/>
               <a:buChar char="•"/>
             </a:pPr>
             <a:r>
-              <a:rPr lang="en-US" altLang="zh-CN" dirty="0">
-                <a:solidFill>
-                  <a:srgbClr val="000000">
-                    <a:lumMod val="75000"/>
-                    <a:lumOff val="25000"/>
-                  </a:srgbClr>
-                </a:solidFill>
-                <a:latin typeface="等线" panose="02010600030101010101" pitchFamily="2" charset="-122"/>
-                <a:ea typeface="等线" panose="02010600030101010101" pitchFamily="2" charset="-122"/>
-                <a:cs typeface="+mn-ea"/>
-              </a:rPr>
-              <a:t>ID: ID Number of Customers.</a:t>
-            </a:r>
-          </a:p>
-          <a:p>
-            <a:pPr algn="l" fontAlgn="base">
-              <a:buFont typeface="Arial" panose="020B0604020202020204" pitchFamily="34" charset="0"/>
-              <a:buChar char="•"/>
-            </a:pPr>
-            <a:r>
-              <a:rPr lang="en-US" altLang="zh-CN" dirty="0">
+              <a:rPr lang="en-US" altLang="zh-CN" sz="2000" dirty="0">
                 <a:solidFill>
                   <a:srgbClr val="000000">
                     <a:lumMod val="75000"/>
@@ -17375,12 +17311,26 @@
             </a:r>
           </a:p>
           <a:p>
+            <a:pPr algn="l" fontAlgn="base"/>
+            <a:endParaRPr lang="en-US" altLang="zh-CN" sz="2000" dirty="0">
+              <a:solidFill>
+                <a:srgbClr val="000000">
+                  <a:lumMod val="75000"/>
+                  <a:lumOff val="25000"/>
+                </a:srgbClr>
+              </a:solidFill>
+              <a:latin typeface="等线" panose="02010600030101010101" pitchFamily="2" charset="-122"/>
+              <a:ea typeface="等线" panose="02010600030101010101" pitchFamily="2" charset="-122"/>
+              <a:cs typeface="+mn-ea"/>
+            </a:endParaRPr>
+          </a:p>
+          <a:p>
             <a:pPr algn="l" fontAlgn="base">
               <a:buFont typeface="Arial" panose="020B0604020202020204" pitchFamily="34" charset="0"/>
               <a:buChar char="•"/>
             </a:pPr>
             <a:r>
-              <a:rPr lang="en-US" altLang="zh-CN" dirty="0">
+              <a:rPr lang="en-US" altLang="zh-CN" sz="2000" dirty="0">
                 <a:solidFill>
                   <a:srgbClr val="000000">
                     <a:lumMod val="75000"/>
@@ -17395,24 +17345,18 @@
             </a:r>
           </a:p>
           <a:p>
-            <a:pPr algn="l" fontAlgn="base">
-              <a:buFont typeface="Arial" panose="020B0604020202020204" pitchFamily="34" charset="0"/>
-              <a:buChar char="•"/>
-            </a:pPr>
-            <a:r>
-              <a:rPr lang="en-US" altLang="zh-CN" dirty="0">
-                <a:solidFill>
-                  <a:srgbClr val="000000">
-                    <a:lumMod val="75000"/>
-                    <a:lumOff val="25000"/>
-                  </a:srgbClr>
-                </a:solidFill>
-                <a:latin typeface="等线" panose="02010600030101010101" pitchFamily="2" charset="-122"/>
-                <a:ea typeface="等线" panose="02010600030101010101" pitchFamily="2" charset="-122"/>
-                <a:cs typeface="+mn-ea"/>
-              </a:rPr>
-              <a:t>Customer care calls: The number of calls made from enquiry for enquiry of the shipment.</a:t>
-            </a:r>
+            <a:pPr algn="l" fontAlgn="base"/>
+            <a:endParaRPr lang="en-US" altLang="zh-CN" sz="2000" dirty="0">
+              <a:solidFill>
+                <a:srgbClr val="000000">
+                  <a:lumMod val="75000"/>
+                  <a:lumOff val="25000"/>
+                </a:srgbClr>
+              </a:solidFill>
+              <a:latin typeface="等线" panose="02010600030101010101" pitchFamily="2" charset="-122"/>
+              <a:ea typeface="等线" panose="02010600030101010101" pitchFamily="2" charset="-122"/>
+              <a:cs typeface="+mn-ea"/>
+            </a:endParaRPr>
           </a:p>
           <a:p>
             <a:pPr algn="l" fontAlgn="base">
@@ -17420,7 +17364,7 @@
               <a:buChar char="•"/>
             </a:pPr>
             <a:r>
-              <a:rPr lang="en-US" altLang="zh-CN" dirty="0">
+              <a:rPr lang="en-US" altLang="zh-CN" sz="2000" dirty="0">
                 <a:solidFill>
                   <a:srgbClr val="000000">
                     <a:lumMod val="75000"/>
@@ -17435,12 +17379,26 @@
             </a:r>
           </a:p>
           <a:p>
+            <a:pPr algn="l" fontAlgn="base"/>
+            <a:endParaRPr lang="en-US" altLang="zh-CN" sz="2000" dirty="0">
+              <a:solidFill>
+                <a:srgbClr val="000000">
+                  <a:lumMod val="75000"/>
+                  <a:lumOff val="25000"/>
+                </a:srgbClr>
+              </a:solidFill>
+              <a:latin typeface="等线" panose="02010600030101010101" pitchFamily="2" charset="-122"/>
+              <a:ea typeface="等线" panose="02010600030101010101" pitchFamily="2" charset="-122"/>
+              <a:cs typeface="+mn-ea"/>
+            </a:endParaRPr>
+          </a:p>
+          <a:p>
             <a:pPr algn="l" fontAlgn="base">
               <a:buFont typeface="Arial" panose="020B0604020202020204" pitchFamily="34" charset="0"/>
               <a:buChar char="•"/>
             </a:pPr>
             <a:r>
-              <a:rPr lang="en-US" altLang="zh-CN" dirty="0">
+              <a:rPr lang="en-US" altLang="zh-CN" sz="2000" dirty="0">
                 <a:solidFill>
                   <a:srgbClr val="000000">
                     <a:lumMod val="75000"/>
@@ -17455,24 +17413,18 @@
             </a:r>
           </a:p>
           <a:p>
-            <a:pPr algn="l" fontAlgn="base">
-              <a:buFont typeface="Arial" panose="020B0604020202020204" pitchFamily="34" charset="0"/>
-              <a:buChar char="•"/>
-            </a:pPr>
-            <a:r>
-              <a:rPr lang="en-US" altLang="zh-CN" dirty="0">
-                <a:solidFill>
-                  <a:srgbClr val="000000">
-                    <a:lumMod val="75000"/>
-                    <a:lumOff val="25000"/>
-                  </a:srgbClr>
-                </a:solidFill>
-                <a:latin typeface="等线" panose="02010600030101010101" pitchFamily="2" charset="-122"/>
-                <a:ea typeface="等线" panose="02010600030101010101" pitchFamily="2" charset="-122"/>
-                <a:cs typeface="+mn-ea"/>
-              </a:rPr>
-              <a:t>Prior purchases: The Number of Prior Purchase.</a:t>
-            </a:r>
+            <a:pPr algn="l" fontAlgn="base"/>
+            <a:endParaRPr lang="en-US" altLang="zh-CN" sz="2000" dirty="0">
+              <a:solidFill>
+                <a:srgbClr val="000000">
+                  <a:lumMod val="75000"/>
+                  <a:lumOff val="25000"/>
+                </a:srgbClr>
+              </a:solidFill>
+              <a:latin typeface="等线" panose="02010600030101010101" pitchFamily="2" charset="-122"/>
+              <a:ea typeface="等线" panose="02010600030101010101" pitchFamily="2" charset="-122"/>
+              <a:cs typeface="+mn-ea"/>
+            </a:endParaRPr>
           </a:p>
           <a:p>
             <a:pPr algn="l" fontAlgn="base">
@@ -17480,27 +17432,7 @@
               <a:buChar char="•"/>
             </a:pPr>
             <a:r>
-              <a:rPr lang="en-US" altLang="zh-CN" dirty="0">
-                <a:solidFill>
-                  <a:srgbClr val="000000">
-                    <a:lumMod val="75000"/>
-                    <a:lumOff val="25000"/>
-                  </a:srgbClr>
-                </a:solidFill>
-                <a:latin typeface="等线" panose="02010600030101010101" pitchFamily="2" charset="-122"/>
-                <a:ea typeface="等线" panose="02010600030101010101" pitchFamily="2" charset="-122"/>
-                <a:cs typeface="+mn-ea"/>
-              </a:rPr>
-              <a:t>Product importance: The company has categorized the product in the various parameter such as low, medium, high.</a:t>
-            </a:r>
-          </a:p>
-          <a:p>
-            <a:pPr algn="l" fontAlgn="base">
-              <a:buFont typeface="Arial" panose="020B0604020202020204" pitchFamily="34" charset="0"/>
-              <a:buChar char="•"/>
-            </a:pPr>
-            <a:r>
-              <a:rPr lang="en-US" altLang="zh-CN" dirty="0">
+              <a:rPr lang="en-US" altLang="zh-CN" sz="2000" dirty="0">
                 <a:solidFill>
                   <a:srgbClr val="000000">
                     <a:lumMod val="75000"/>
@@ -17515,12 +17447,26 @@
             </a:r>
           </a:p>
           <a:p>
+            <a:pPr algn="l" fontAlgn="base"/>
+            <a:endParaRPr lang="en-US" altLang="zh-CN" sz="2000" dirty="0">
+              <a:solidFill>
+                <a:srgbClr val="000000">
+                  <a:lumMod val="75000"/>
+                  <a:lumOff val="25000"/>
+                </a:srgbClr>
+              </a:solidFill>
+              <a:latin typeface="等线" panose="02010600030101010101" pitchFamily="2" charset="-122"/>
+              <a:ea typeface="等线" panose="02010600030101010101" pitchFamily="2" charset="-122"/>
+              <a:cs typeface="+mn-ea"/>
+            </a:endParaRPr>
+          </a:p>
+          <a:p>
             <a:pPr algn="l" fontAlgn="base">
               <a:buFont typeface="Arial" panose="020B0604020202020204" pitchFamily="34" charset="0"/>
               <a:buChar char="•"/>
             </a:pPr>
             <a:r>
-              <a:rPr lang="en-US" altLang="zh-CN" dirty="0">
+              <a:rPr lang="en-US" altLang="zh-CN" sz="2000" dirty="0">
                 <a:solidFill>
                   <a:srgbClr val="000000">
                     <a:lumMod val="75000"/>
@@ -17540,7 +17486,7 @@
               <a:buChar char="•"/>
             </a:pPr>
             <a:r>
-              <a:rPr lang="en-US" altLang="zh-CN" dirty="0">
+              <a:rPr lang="en-US" altLang="zh-CN" sz="2000" dirty="0">
                 <a:solidFill>
                   <a:srgbClr val="000000">
                     <a:lumMod val="75000"/>
@@ -17554,7 +17500,7 @@
               <a:t>Weight in </a:t>
             </a:r>
             <a:r>
-              <a:rPr lang="en-US" altLang="zh-CN" dirty="0" err="1">
+              <a:rPr lang="en-US" altLang="zh-CN" sz="2000" dirty="0" err="1">
                 <a:solidFill>
                   <a:srgbClr val="000000">
                     <a:lumMod val="75000"/>
@@ -17568,7 +17514,7 @@
               <a:t>gms</a:t>
             </a:r>
             <a:r>
-              <a:rPr lang="en-US" altLang="zh-CN" dirty="0">
+              <a:rPr lang="en-US" altLang="zh-CN" sz="2000" dirty="0">
                 <a:solidFill>
                   <a:srgbClr val="000000">
                     <a:lumMod val="75000"/>
@@ -17583,12 +17529,26 @@
             </a:r>
           </a:p>
           <a:p>
+            <a:pPr algn="l" fontAlgn="base"/>
+            <a:endParaRPr lang="en-US" altLang="zh-CN" sz="2000" dirty="0">
+              <a:solidFill>
+                <a:srgbClr val="000000">
+                  <a:lumMod val="75000"/>
+                  <a:lumOff val="25000"/>
+                </a:srgbClr>
+              </a:solidFill>
+              <a:latin typeface="等线" panose="02010600030101010101" pitchFamily="2" charset="-122"/>
+              <a:ea typeface="等线" panose="02010600030101010101" pitchFamily="2" charset="-122"/>
+              <a:cs typeface="+mn-ea"/>
+            </a:endParaRPr>
+          </a:p>
+          <a:p>
             <a:pPr algn="l" fontAlgn="base">
               <a:buFont typeface="Arial" panose="020B0604020202020204" pitchFamily="34" charset="0"/>
               <a:buChar char="•"/>
             </a:pPr>
             <a:r>
-              <a:rPr lang="en-US" altLang="zh-CN" dirty="0">
+              <a:rPr lang="en-US" altLang="zh-CN" sz="2000" dirty="0">
                 <a:solidFill>
                   <a:srgbClr val="000000">
                     <a:lumMod val="75000"/>
@@ -19464,7 +19424,7 @@
                   <a:cs typeface="+mn-ea"/>
                   <a:sym typeface="+mn-lt"/>
                 </a:rPr>
-                <a:t>Male customers give less negative comments while Female customers give more positive comments</a:t>
+                <a:t>Male customers give less negative comments.</a:t>
               </a:r>
               <a:endParaRPr lang="zh-CN" altLang="en-US" dirty="0">
                 <a:cs typeface="+mn-ea"/>
@@ -19695,7 +19655,7 @@
         </p:nvSpPr>
         <p:spPr>
           <a:xfrm>
-            <a:off x="825054" y="4387441"/>
+            <a:off x="825054" y="4392983"/>
             <a:ext cx="10908030" cy="2249131"/>
           </a:xfrm>
           <a:prstGeom prst="snip1Rect">
@@ -20547,6 +20507,17 @@
           </a:p>
           <a:p>
             <a:pPr algn="l" fontAlgn="base"/>
+            <a:endParaRPr lang="en-US" altLang="zh-CN" dirty="0">
+              <a:solidFill>
+                <a:schemeClr val="bg1"/>
+              </a:solidFill>
+              <a:latin typeface="等线" panose="02010600030101010101" pitchFamily="2" charset="-122"/>
+              <a:ea typeface="等线" panose="02010600030101010101" pitchFamily="2" charset="-122"/>
+              <a:cs typeface="+mn-ea"/>
+            </a:endParaRPr>
+          </a:p>
+          <a:p>
+            <a:pPr algn="l" fontAlgn="base"/>
             <a:r>
               <a:rPr lang="en-US" altLang="zh-CN" dirty="0">
                 <a:solidFill>
@@ -20558,17 +20529,6 @@
               </a:rPr>
               <a:t>Male shows great difference when purchasing the electronic products</a:t>
             </a:r>
-          </a:p>
-          <a:p>
-            <a:pPr algn="l" fontAlgn="base"/>
-            <a:endParaRPr lang="en-US" altLang="zh-CN" dirty="0">
-              <a:solidFill>
-                <a:schemeClr val="bg1"/>
-              </a:solidFill>
-              <a:latin typeface="等线" panose="02010600030101010101" pitchFamily="2" charset="-122"/>
-              <a:ea typeface="等线" panose="02010600030101010101" pitchFamily="2" charset="-122"/>
-              <a:cs typeface="+mn-ea"/>
-            </a:endParaRPr>
           </a:p>
           <a:p>
             <a:pPr algn="l" fontAlgn="base"/>

--- a/team-4.pptx
+++ b/team-4.pptx
@@ -5,7 +5,7 @@
     <p:sldMasterId id="2147483648" r:id="rId1"/>
   </p:sldMasterIdLst>
   <p:notesMasterIdLst>
-    <p:notesMasterId r:id="rId14"/>
+    <p:notesMasterId r:id="rId19"/>
   </p:notesMasterIdLst>
   <p:sldIdLst>
     <p:sldId id="431" r:id="rId2"/>
@@ -19,12 +19,17 @@
     <p:sldId id="448" r:id="rId10"/>
     <p:sldId id="480" r:id="rId11"/>
     <p:sldId id="490" r:id="rId12"/>
-    <p:sldId id="494" r:id="rId13"/>
+    <p:sldId id="495" r:id="rId13"/>
+    <p:sldId id="496" r:id="rId14"/>
+    <p:sldId id="497" r:id="rId15"/>
+    <p:sldId id="498" r:id="rId16"/>
+    <p:sldId id="499" r:id="rId17"/>
+    <p:sldId id="494" r:id="rId18"/>
   </p:sldIdLst>
   <p:sldSz cx="12192000" cy="6858000"/>
   <p:notesSz cx="6858000" cy="9144000"/>
   <p:custDataLst>
-    <p:tags r:id="rId15"/>
+    <p:tags r:id="rId20"/>
   </p:custDataLst>
   <p:defaultTextStyle>
     <a:defPPr>
@@ -222,7 +227,7 @@
           <a:p>
             <a:fld id="{4851D111-D2ED-4D1A-A308-D984A0D9EC14}" type="datetimeFigureOut">
               <a:rPr lang="zh-CN" altLang="en-US" smtClean="0"/>
-              <a:t>2022/11/2</a:t>
+              <a:t>2022/11/4</a:t>
             </a:fld>
             <a:endParaRPr lang="zh-CN" altLang="en-US"/>
           </a:p>
@@ -556,6 +561,426 @@
         </p:txBody>
       </p:sp>
     </p:spTree>
+  </p:cSld>
+  <p:clrMapOvr>
+    <a:masterClrMapping/>
+  </p:clrMapOvr>
+</p:notes>
+</file>
+
+<file path=ppt/notesSlides/notesSlide10.xml><?xml version="1.0" encoding="utf-8"?>
+<p:notes xmlns:a="http://schemas.openxmlformats.org/drawingml/2006/main" xmlns:r="http://schemas.openxmlformats.org/officeDocument/2006/relationships" xmlns:p="http://schemas.openxmlformats.org/presentationml/2006/main">
+  <p:cSld>
+    <p:spTree>
+      <p:nvGrpSpPr>
+        <p:cNvPr id="1" name=""/>
+        <p:cNvGrpSpPr/>
+        <p:nvPr/>
+      </p:nvGrpSpPr>
+      <p:grpSpPr>
+        <a:xfrm>
+          <a:off x="0" y="0"/>
+          <a:ext cx="0" cy="0"/>
+          <a:chOff x="0" y="0"/>
+          <a:chExt cx="0" cy="0"/>
+        </a:xfrm>
+      </p:grpSpPr>
+      <p:sp>
+        <p:nvSpPr>
+          <p:cNvPr id="2" name="幻灯片图像占位符 1"/>
+          <p:cNvSpPr>
+            <a:spLocks noGrp="1" noRot="1" noChangeAspect="1"/>
+          </p:cNvSpPr>
+          <p:nvPr>
+            <p:ph type="sldImg"/>
+          </p:nvPr>
+        </p:nvSpPr>
+        <p:spPr/>
+      </p:sp>
+      <p:sp>
+        <p:nvSpPr>
+          <p:cNvPr id="3" name="备注占位符 2"/>
+          <p:cNvSpPr>
+            <a:spLocks noGrp="1"/>
+          </p:cNvSpPr>
+          <p:nvPr>
+            <p:ph type="body" idx="1"/>
+          </p:nvPr>
+        </p:nvSpPr>
+        <p:spPr/>
+        <p:txBody>
+          <a:bodyPr/>
+          <a:lstStyle/>
+          <a:p>
+            <a:endParaRPr lang="zh-CN" altLang="en-US"/>
+          </a:p>
+        </p:txBody>
+      </p:sp>
+      <p:sp>
+        <p:nvSpPr>
+          <p:cNvPr id="4" name="灯片编号占位符 3"/>
+          <p:cNvSpPr>
+            <a:spLocks noGrp="1"/>
+          </p:cNvSpPr>
+          <p:nvPr>
+            <p:ph type="sldNum" sz="quarter" idx="10"/>
+          </p:nvPr>
+        </p:nvSpPr>
+        <p:spPr/>
+        <p:txBody>
+          <a:bodyPr/>
+          <a:lstStyle/>
+          <a:p>
+            <a:fld id="{79FE6F1F-924D-4DA8-A19F-377E61A1DA59}" type="slidenum">
+              <a:rPr lang="zh-CN" altLang="en-US" smtClean="0"/>
+              <a:t>12</a:t>
+            </a:fld>
+            <a:endParaRPr lang="zh-CN" altLang="en-US"/>
+          </a:p>
+        </p:txBody>
+      </p:sp>
+    </p:spTree>
+    <p:extLst>
+      <p:ext uri="{BB962C8B-B14F-4D97-AF65-F5344CB8AC3E}">
+        <p14:creationId xmlns:p14="http://schemas.microsoft.com/office/powerpoint/2010/main" val="4223970655"/>
+      </p:ext>
+    </p:extLst>
+  </p:cSld>
+  <p:clrMapOvr>
+    <a:masterClrMapping/>
+  </p:clrMapOvr>
+</p:notes>
+</file>
+
+<file path=ppt/notesSlides/notesSlide11.xml><?xml version="1.0" encoding="utf-8"?>
+<p:notes xmlns:a="http://schemas.openxmlformats.org/drawingml/2006/main" xmlns:r="http://schemas.openxmlformats.org/officeDocument/2006/relationships" xmlns:p="http://schemas.openxmlformats.org/presentationml/2006/main">
+  <p:cSld>
+    <p:spTree>
+      <p:nvGrpSpPr>
+        <p:cNvPr id="1" name=""/>
+        <p:cNvGrpSpPr/>
+        <p:nvPr/>
+      </p:nvGrpSpPr>
+      <p:grpSpPr>
+        <a:xfrm>
+          <a:off x="0" y="0"/>
+          <a:ext cx="0" cy="0"/>
+          <a:chOff x="0" y="0"/>
+          <a:chExt cx="0" cy="0"/>
+        </a:xfrm>
+      </p:grpSpPr>
+      <p:sp>
+        <p:nvSpPr>
+          <p:cNvPr id="2" name="幻灯片图像占位符 1"/>
+          <p:cNvSpPr>
+            <a:spLocks noGrp="1" noRot="1" noChangeAspect="1"/>
+          </p:cNvSpPr>
+          <p:nvPr>
+            <p:ph type="sldImg"/>
+          </p:nvPr>
+        </p:nvSpPr>
+        <p:spPr/>
+      </p:sp>
+      <p:sp>
+        <p:nvSpPr>
+          <p:cNvPr id="3" name="备注占位符 2"/>
+          <p:cNvSpPr>
+            <a:spLocks noGrp="1"/>
+          </p:cNvSpPr>
+          <p:nvPr>
+            <p:ph type="body" idx="1"/>
+          </p:nvPr>
+        </p:nvSpPr>
+        <p:spPr/>
+        <p:txBody>
+          <a:bodyPr/>
+          <a:lstStyle/>
+          <a:p>
+            <a:endParaRPr lang="zh-CN" altLang="en-US"/>
+          </a:p>
+        </p:txBody>
+      </p:sp>
+      <p:sp>
+        <p:nvSpPr>
+          <p:cNvPr id="4" name="灯片编号占位符 3"/>
+          <p:cNvSpPr>
+            <a:spLocks noGrp="1"/>
+          </p:cNvSpPr>
+          <p:nvPr>
+            <p:ph type="sldNum" sz="quarter" idx="10"/>
+          </p:nvPr>
+        </p:nvSpPr>
+        <p:spPr/>
+        <p:txBody>
+          <a:bodyPr/>
+          <a:lstStyle/>
+          <a:p>
+            <a:fld id="{79FE6F1F-924D-4DA8-A19F-377E61A1DA59}" type="slidenum">
+              <a:rPr lang="zh-CN" altLang="en-US" smtClean="0"/>
+              <a:t>13</a:t>
+            </a:fld>
+            <a:endParaRPr lang="zh-CN" altLang="en-US"/>
+          </a:p>
+        </p:txBody>
+      </p:sp>
+    </p:spTree>
+    <p:extLst>
+      <p:ext uri="{BB962C8B-B14F-4D97-AF65-F5344CB8AC3E}">
+        <p14:creationId xmlns:p14="http://schemas.microsoft.com/office/powerpoint/2010/main" val="3199479598"/>
+      </p:ext>
+    </p:extLst>
+  </p:cSld>
+  <p:clrMapOvr>
+    <a:masterClrMapping/>
+  </p:clrMapOvr>
+</p:notes>
+</file>
+
+<file path=ppt/notesSlides/notesSlide12.xml><?xml version="1.0" encoding="utf-8"?>
+<p:notes xmlns:a="http://schemas.openxmlformats.org/drawingml/2006/main" xmlns:r="http://schemas.openxmlformats.org/officeDocument/2006/relationships" xmlns:p="http://schemas.openxmlformats.org/presentationml/2006/main">
+  <p:cSld>
+    <p:spTree>
+      <p:nvGrpSpPr>
+        <p:cNvPr id="1" name=""/>
+        <p:cNvGrpSpPr/>
+        <p:nvPr/>
+      </p:nvGrpSpPr>
+      <p:grpSpPr>
+        <a:xfrm>
+          <a:off x="0" y="0"/>
+          <a:ext cx="0" cy="0"/>
+          <a:chOff x="0" y="0"/>
+          <a:chExt cx="0" cy="0"/>
+        </a:xfrm>
+      </p:grpSpPr>
+      <p:sp>
+        <p:nvSpPr>
+          <p:cNvPr id="2" name="幻灯片图像占位符 1"/>
+          <p:cNvSpPr>
+            <a:spLocks noGrp="1" noRot="1" noChangeAspect="1"/>
+          </p:cNvSpPr>
+          <p:nvPr>
+            <p:ph type="sldImg"/>
+          </p:nvPr>
+        </p:nvSpPr>
+        <p:spPr/>
+      </p:sp>
+      <p:sp>
+        <p:nvSpPr>
+          <p:cNvPr id="3" name="备注占位符 2"/>
+          <p:cNvSpPr>
+            <a:spLocks noGrp="1"/>
+          </p:cNvSpPr>
+          <p:nvPr>
+            <p:ph type="body" idx="1"/>
+          </p:nvPr>
+        </p:nvSpPr>
+        <p:spPr/>
+        <p:txBody>
+          <a:bodyPr/>
+          <a:lstStyle/>
+          <a:p>
+            <a:endParaRPr lang="zh-CN" altLang="en-US"/>
+          </a:p>
+        </p:txBody>
+      </p:sp>
+      <p:sp>
+        <p:nvSpPr>
+          <p:cNvPr id="4" name="灯片编号占位符 3"/>
+          <p:cNvSpPr>
+            <a:spLocks noGrp="1"/>
+          </p:cNvSpPr>
+          <p:nvPr>
+            <p:ph type="sldNum" sz="quarter" idx="10"/>
+          </p:nvPr>
+        </p:nvSpPr>
+        <p:spPr/>
+        <p:txBody>
+          <a:bodyPr/>
+          <a:lstStyle/>
+          <a:p>
+            <a:fld id="{79FE6F1F-924D-4DA8-A19F-377E61A1DA59}" type="slidenum">
+              <a:rPr lang="zh-CN" altLang="en-US" smtClean="0"/>
+              <a:t>14</a:t>
+            </a:fld>
+            <a:endParaRPr lang="zh-CN" altLang="en-US"/>
+          </a:p>
+        </p:txBody>
+      </p:sp>
+    </p:spTree>
+    <p:extLst>
+      <p:ext uri="{BB962C8B-B14F-4D97-AF65-F5344CB8AC3E}">
+        <p14:creationId xmlns:p14="http://schemas.microsoft.com/office/powerpoint/2010/main" val="379789067"/>
+      </p:ext>
+    </p:extLst>
+  </p:cSld>
+  <p:clrMapOvr>
+    <a:masterClrMapping/>
+  </p:clrMapOvr>
+</p:notes>
+</file>
+
+<file path=ppt/notesSlides/notesSlide13.xml><?xml version="1.0" encoding="utf-8"?>
+<p:notes xmlns:a="http://schemas.openxmlformats.org/drawingml/2006/main" xmlns:r="http://schemas.openxmlformats.org/officeDocument/2006/relationships" xmlns:p="http://schemas.openxmlformats.org/presentationml/2006/main">
+  <p:cSld>
+    <p:spTree>
+      <p:nvGrpSpPr>
+        <p:cNvPr id="1" name=""/>
+        <p:cNvGrpSpPr/>
+        <p:nvPr/>
+      </p:nvGrpSpPr>
+      <p:grpSpPr>
+        <a:xfrm>
+          <a:off x="0" y="0"/>
+          <a:ext cx="0" cy="0"/>
+          <a:chOff x="0" y="0"/>
+          <a:chExt cx="0" cy="0"/>
+        </a:xfrm>
+      </p:grpSpPr>
+      <p:sp>
+        <p:nvSpPr>
+          <p:cNvPr id="2" name="幻灯片图像占位符 1"/>
+          <p:cNvSpPr>
+            <a:spLocks noGrp="1" noRot="1" noChangeAspect="1"/>
+          </p:cNvSpPr>
+          <p:nvPr>
+            <p:ph type="sldImg"/>
+          </p:nvPr>
+        </p:nvSpPr>
+        <p:spPr/>
+      </p:sp>
+      <p:sp>
+        <p:nvSpPr>
+          <p:cNvPr id="3" name="备注占位符 2"/>
+          <p:cNvSpPr>
+            <a:spLocks noGrp="1"/>
+          </p:cNvSpPr>
+          <p:nvPr>
+            <p:ph type="body" idx="1"/>
+          </p:nvPr>
+        </p:nvSpPr>
+        <p:spPr/>
+        <p:txBody>
+          <a:bodyPr/>
+          <a:lstStyle/>
+          <a:p>
+            <a:endParaRPr lang="zh-CN" altLang="en-US"/>
+          </a:p>
+        </p:txBody>
+      </p:sp>
+      <p:sp>
+        <p:nvSpPr>
+          <p:cNvPr id="4" name="灯片编号占位符 3"/>
+          <p:cNvSpPr>
+            <a:spLocks noGrp="1"/>
+          </p:cNvSpPr>
+          <p:nvPr>
+            <p:ph type="sldNum" sz="quarter" idx="10"/>
+          </p:nvPr>
+        </p:nvSpPr>
+        <p:spPr/>
+        <p:txBody>
+          <a:bodyPr/>
+          <a:lstStyle/>
+          <a:p>
+            <a:fld id="{79FE6F1F-924D-4DA8-A19F-377E61A1DA59}" type="slidenum">
+              <a:rPr lang="zh-CN" altLang="en-US" smtClean="0"/>
+              <a:t>15</a:t>
+            </a:fld>
+            <a:endParaRPr lang="zh-CN" altLang="en-US"/>
+          </a:p>
+        </p:txBody>
+      </p:sp>
+    </p:spTree>
+    <p:extLst>
+      <p:ext uri="{BB962C8B-B14F-4D97-AF65-F5344CB8AC3E}">
+        <p14:creationId xmlns:p14="http://schemas.microsoft.com/office/powerpoint/2010/main" val="821686485"/>
+      </p:ext>
+    </p:extLst>
+  </p:cSld>
+  <p:clrMapOvr>
+    <a:masterClrMapping/>
+  </p:clrMapOvr>
+</p:notes>
+</file>
+
+<file path=ppt/notesSlides/notesSlide14.xml><?xml version="1.0" encoding="utf-8"?>
+<p:notes xmlns:a="http://schemas.openxmlformats.org/drawingml/2006/main" xmlns:r="http://schemas.openxmlformats.org/officeDocument/2006/relationships" xmlns:p="http://schemas.openxmlformats.org/presentationml/2006/main">
+  <p:cSld>
+    <p:spTree>
+      <p:nvGrpSpPr>
+        <p:cNvPr id="1" name=""/>
+        <p:cNvGrpSpPr/>
+        <p:nvPr/>
+      </p:nvGrpSpPr>
+      <p:grpSpPr>
+        <a:xfrm>
+          <a:off x="0" y="0"/>
+          <a:ext cx="0" cy="0"/>
+          <a:chOff x="0" y="0"/>
+          <a:chExt cx="0" cy="0"/>
+        </a:xfrm>
+      </p:grpSpPr>
+      <p:sp>
+        <p:nvSpPr>
+          <p:cNvPr id="2" name="幻灯片图像占位符 1"/>
+          <p:cNvSpPr>
+            <a:spLocks noGrp="1" noRot="1" noChangeAspect="1"/>
+          </p:cNvSpPr>
+          <p:nvPr>
+            <p:ph type="sldImg"/>
+          </p:nvPr>
+        </p:nvSpPr>
+        <p:spPr/>
+      </p:sp>
+      <p:sp>
+        <p:nvSpPr>
+          <p:cNvPr id="3" name="备注占位符 2"/>
+          <p:cNvSpPr>
+            <a:spLocks noGrp="1"/>
+          </p:cNvSpPr>
+          <p:nvPr>
+            <p:ph type="body" idx="1"/>
+          </p:nvPr>
+        </p:nvSpPr>
+        <p:spPr/>
+        <p:txBody>
+          <a:bodyPr/>
+          <a:lstStyle/>
+          <a:p>
+            <a:endParaRPr lang="zh-CN" altLang="en-US"/>
+          </a:p>
+        </p:txBody>
+      </p:sp>
+      <p:sp>
+        <p:nvSpPr>
+          <p:cNvPr id="4" name="灯片编号占位符 3"/>
+          <p:cNvSpPr>
+            <a:spLocks noGrp="1"/>
+          </p:cNvSpPr>
+          <p:nvPr>
+            <p:ph type="sldNum" sz="quarter" idx="10"/>
+          </p:nvPr>
+        </p:nvSpPr>
+        <p:spPr/>
+        <p:txBody>
+          <a:bodyPr/>
+          <a:lstStyle/>
+          <a:p>
+            <a:fld id="{79FE6F1F-924D-4DA8-A19F-377E61A1DA59}" type="slidenum">
+              <a:rPr lang="zh-CN" altLang="en-US" smtClean="0"/>
+              <a:t>16</a:t>
+            </a:fld>
+            <a:endParaRPr lang="zh-CN" altLang="en-US"/>
+          </a:p>
+        </p:txBody>
+      </p:sp>
+    </p:spTree>
+    <p:extLst>
+      <p:ext uri="{BB962C8B-B14F-4D97-AF65-F5344CB8AC3E}">
+        <p14:creationId xmlns:p14="http://schemas.microsoft.com/office/powerpoint/2010/main" val="1409322707"/>
+      </p:ext>
+    </p:extLst>
   </p:cSld>
   <p:clrMapOvr>
     <a:masterClrMapping/>
@@ -1560,7 +1985,7 @@
           <a:p>
             <a:fld id="{EB5C08A1-7713-47CE-97B4-863D833656A0}" type="datetimeFigureOut">
               <a:rPr lang="id-ID" smtClean="0"/>
-              <a:t>02/11/2022</a:t>
+              <a:t>04/11/2022</a:t>
             </a:fld>
             <a:endParaRPr lang="id-ID"/>
           </a:p>
@@ -1704,7 +2129,7 @@
           <a:p>
             <a:fld id="{EB5C08A1-7713-47CE-97B4-863D833656A0}" type="datetimeFigureOut">
               <a:rPr lang="id-ID" smtClean="0"/>
-              <a:t>02/11/2022</a:t>
+              <a:t>04/11/2022</a:t>
             </a:fld>
             <a:endParaRPr lang="id-ID"/>
           </a:p>
@@ -2009,7 +2434,7 @@
           <a:p>
             <a:fld id="{EB5C08A1-7713-47CE-97B4-863D833656A0}" type="datetimeFigureOut">
               <a:rPr lang="id-ID" smtClean="0"/>
-              <a:t>02/11/2022</a:t>
+              <a:t>04/11/2022</a:t>
             </a:fld>
             <a:endParaRPr lang="id-ID"/>
           </a:p>
@@ -2290,7 +2715,7 @@
           <a:p>
             <a:fld id="{EB5C08A1-7713-47CE-97B4-863D833656A0}" type="datetimeFigureOut">
               <a:rPr lang="id-ID" smtClean="0"/>
-              <a:t>02/11/2022</a:t>
+              <a:t>04/11/2022</a:t>
             </a:fld>
             <a:endParaRPr lang="id-ID"/>
           </a:p>
@@ -2495,7 +2920,7 @@
           <a:p>
             <a:fld id="{EB5C08A1-7713-47CE-97B4-863D833656A0}" type="datetimeFigureOut">
               <a:rPr lang="id-ID" smtClean="0"/>
-              <a:t>02/11/2022</a:t>
+              <a:t>04/11/2022</a:t>
             </a:fld>
             <a:endParaRPr lang="id-ID"/>
           </a:p>
@@ -2700,7 +3125,7 @@
           <a:p>
             <a:fld id="{EB5C08A1-7713-47CE-97B4-863D833656A0}" type="datetimeFigureOut">
               <a:rPr lang="id-ID" smtClean="0"/>
-              <a:t>02/11/2022</a:t>
+              <a:t>04/11/2022</a:t>
             </a:fld>
             <a:endParaRPr lang="id-ID"/>
           </a:p>
@@ -2905,7 +3330,7 @@
           <a:p>
             <a:fld id="{EB5C08A1-7713-47CE-97B4-863D833656A0}" type="datetimeFigureOut">
               <a:rPr lang="id-ID" smtClean="0"/>
-              <a:t>02/11/2022</a:t>
+              <a:t>04/11/2022</a:t>
             </a:fld>
             <a:endParaRPr lang="id-ID"/>
           </a:p>
@@ -3176,7 +3601,7 @@
           <a:p>
             <a:fld id="{EB5C08A1-7713-47CE-97B4-863D833656A0}" type="datetimeFigureOut">
               <a:rPr lang="id-ID" smtClean="0"/>
-              <a:t>02/11/2022</a:t>
+              <a:t>04/11/2022</a:t>
             </a:fld>
             <a:endParaRPr lang="id-ID"/>
           </a:p>
@@ -3441,7 +3866,7 @@
           <a:p>
             <a:fld id="{EB5C08A1-7713-47CE-97B4-863D833656A0}" type="datetimeFigureOut">
               <a:rPr lang="id-ID" smtClean="0"/>
-              <a:t>02/11/2022</a:t>
+              <a:t>04/11/2022</a:t>
             </a:fld>
             <a:endParaRPr lang="id-ID"/>
           </a:p>
@@ -3842,7 +4267,7 @@
           <a:p>
             <a:fld id="{EB5C08A1-7713-47CE-97B4-863D833656A0}" type="datetimeFigureOut">
               <a:rPr lang="id-ID" smtClean="0"/>
-              <a:t>02/11/2022</a:t>
+              <a:t>04/11/2022</a:t>
             </a:fld>
             <a:endParaRPr lang="id-ID"/>
           </a:p>
@@ -3987,7 +4412,7 @@
           <a:p>
             <a:fld id="{EB5C08A1-7713-47CE-97B4-863D833656A0}" type="datetimeFigureOut">
               <a:rPr lang="id-ID" smtClean="0"/>
-              <a:t>02/11/2022</a:t>
+              <a:t>04/11/2022</a:t>
             </a:fld>
             <a:endParaRPr lang="id-ID"/>
           </a:p>
@@ -4101,7 +4526,7 @@
           <a:p>
             <a:fld id="{EB5C08A1-7713-47CE-97B4-863D833656A0}" type="datetimeFigureOut">
               <a:rPr lang="id-ID" smtClean="0"/>
-              <a:t>02/11/2022</a:t>
+              <a:t>04/11/2022</a:t>
             </a:fld>
             <a:endParaRPr lang="id-ID"/>
           </a:p>
@@ -4215,7 +4640,7 @@
           <a:p>
             <a:fld id="{EB5C08A1-7713-47CE-97B4-863D833656A0}" type="datetimeFigureOut">
               <a:rPr lang="id-ID" smtClean="0"/>
-              <a:t>02/11/2022</a:t>
+              <a:t>04/11/2022</a:t>
             </a:fld>
             <a:endParaRPr lang="id-ID"/>
           </a:p>
@@ -5821,7 +6246,7 @@
         </p:nvSpPr>
         <p:spPr>
           <a:xfrm>
-            <a:off x="2012036" y="509971"/>
+            <a:off x="1435687" y="515168"/>
             <a:ext cx="7205093" cy="523220"/>
           </a:xfrm>
           <a:prstGeom prst="rect">
@@ -6080,66 +6505,6 @@
               <a:cs typeface="+mn-ea"/>
               <a:sym typeface="+mn-lt"/>
             </a:endParaRPr>
-          </a:p>
-        </p:txBody>
-      </p:sp>
-      <p:sp>
-        <p:nvSpPr>
-          <p:cNvPr id="3" name="TextBox 28"/>
-          <p:cNvSpPr txBox="1"/>
-          <p:nvPr/>
-        </p:nvSpPr>
-        <p:spPr>
-          <a:xfrm>
-            <a:off x="1459230" y="491490"/>
-            <a:ext cx="600075" cy="583565"/>
-          </a:xfrm>
-          <a:prstGeom prst="rect">
-            <a:avLst/>
-          </a:prstGeom>
-          <a:noFill/>
-        </p:spPr>
-        <p:txBody>
-          <a:bodyPr wrap="square" rtlCol="0">
-            <a:spAutoFit/>
-          </a:bodyPr>
-          <a:lstStyle/>
-          <a:p>
-            <a:pPr marL="0" marR="0" lvl="0" indent="0" algn="l" defTabSz="914400" rtl="0" eaLnBrk="1" fontAlgn="auto" latinLnBrk="0" hangingPunct="1">
-              <a:lnSpc>
-                <a:spcPct val="100000"/>
-              </a:lnSpc>
-              <a:spcBef>
-                <a:spcPts val="0"/>
-              </a:spcBef>
-              <a:spcAft>
-                <a:spcPts val="0"/>
-              </a:spcAft>
-              <a:buClrTx/>
-              <a:buSzTx/>
-              <a:buFontTx/>
-              <a:buNone/>
-              <a:tabLst/>
-              <a:defRPr/>
-            </a:pPr>
-            <a:r>
-              <a:rPr kumimoji="0" lang="en-US" sz="3200" b="1" i="0" u="none" strike="noStrike" kern="1200" cap="none" spc="0" normalizeH="0" baseline="0" noProof="0" dirty="0">
-                <a:ln>
-                  <a:noFill/>
-                </a:ln>
-                <a:solidFill>
-                  <a:srgbClr val="595959"/>
-                </a:solidFill>
-                <a:effectLst/>
-                <a:uLnTx/>
-                <a:uFillTx/>
-                <a:latin typeface="Agency FB" panose="020B0503020202020204" pitchFamily="34" charset="0"/>
-                <a:ea typeface="微软雅黑"/>
-                <a:cs typeface="+mn-ea"/>
-                <a:sym typeface="+mn-lt"/>
-              </a:rPr>
-              <a:t>03</a:t>
-            </a:r>
           </a:p>
         </p:txBody>
       </p:sp>
@@ -8869,6 +9234,2981 @@
       </p:grpSpPr>
       <p:sp>
         <p:nvSpPr>
+          <p:cNvPr id="29" name="矩形 28"/>
+          <p:cNvSpPr/>
+          <p:nvPr/>
+        </p:nvSpPr>
+        <p:spPr>
+          <a:xfrm>
+            <a:off x="5215403" y="4272806"/>
+            <a:ext cx="1002783" cy="45719"/>
+          </a:xfrm>
+          <a:prstGeom prst="rect">
+            <a:avLst/>
+          </a:prstGeom>
+          <a:solidFill>
+            <a:srgbClr val="1C9494"/>
+          </a:solidFill>
+          <a:ln>
+            <a:noFill/>
+          </a:ln>
+        </p:spPr>
+        <p:style>
+          <a:lnRef idx="2">
+            <a:schemeClr val="accent1">
+              <a:shade val="50000"/>
+            </a:schemeClr>
+          </a:lnRef>
+          <a:fillRef idx="1">
+            <a:schemeClr val="accent1"/>
+          </a:fillRef>
+          <a:effectRef idx="0">
+            <a:schemeClr val="accent1"/>
+          </a:effectRef>
+          <a:fontRef idx="minor">
+            <a:schemeClr val="lt1"/>
+          </a:fontRef>
+        </p:style>
+        <p:txBody>
+          <a:bodyPr rtlCol="0" anchor="ctr"/>
+          <a:lstStyle/>
+          <a:p>
+            <a:pPr algn="ctr"/>
+            <a:endParaRPr lang="zh-CN" altLang="en-US">
+              <a:cs typeface="+mn-ea"/>
+              <a:sym typeface="+mn-lt"/>
+            </a:endParaRPr>
+          </a:p>
+        </p:txBody>
+      </p:sp>
+      <p:sp>
+        <p:nvSpPr>
+          <p:cNvPr id="31" name="矩形 30"/>
+          <p:cNvSpPr/>
+          <p:nvPr/>
+        </p:nvSpPr>
+        <p:spPr>
+          <a:xfrm>
+            <a:off x="9451993" y="4272806"/>
+            <a:ext cx="1002783" cy="45719"/>
+          </a:xfrm>
+          <a:prstGeom prst="rect">
+            <a:avLst/>
+          </a:prstGeom>
+          <a:solidFill>
+            <a:srgbClr val="1C9494"/>
+          </a:solidFill>
+          <a:ln>
+            <a:noFill/>
+          </a:ln>
+        </p:spPr>
+        <p:style>
+          <a:lnRef idx="2">
+            <a:schemeClr val="accent1">
+              <a:shade val="50000"/>
+            </a:schemeClr>
+          </a:lnRef>
+          <a:fillRef idx="1">
+            <a:schemeClr val="accent1"/>
+          </a:fillRef>
+          <a:effectRef idx="0">
+            <a:schemeClr val="accent1"/>
+          </a:effectRef>
+          <a:fontRef idx="minor">
+            <a:schemeClr val="lt1"/>
+          </a:fontRef>
+        </p:style>
+        <p:txBody>
+          <a:bodyPr rtlCol="0" anchor="ctr"/>
+          <a:lstStyle/>
+          <a:p>
+            <a:pPr algn="ctr"/>
+            <a:endParaRPr lang="zh-CN" altLang="en-US">
+              <a:cs typeface="+mn-ea"/>
+              <a:sym typeface="+mn-lt"/>
+            </a:endParaRPr>
+          </a:p>
+        </p:txBody>
+      </p:sp>
+      <p:sp>
+        <p:nvSpPr>
+          <p:cNvPr id="13" name="TextBox 28">
+            <a:extLst>
+              <a:ext uri="{FF2B5EF4-FFF2-40B4-BE49-F238E27FC236}">
+                <a16:creationId xmlns:a16="http://schemas.microsoft.com/office/drawing/2014/main" id="{0D90288A-4817-27E9-103F-FD459454DA6C}"/>
+              </a:ext>
+            </a:extLst>
+          </p:cNvPr>
+          <p:cNvSpPr txBox="1"/>
+          <p:nvPr/>
+        </p:nvSpPr>
+        <p:spPr>
+          <a:xfrm>
+            <a:off x="830060" y="468640"/>
+            <a:ext cx="9904442" cy="954107"/>
+          </a:xfrm>
+          <a:prstGeom prst="rect">
+            <a:avLst/>
+          </a:prstGeom>
+          <a:noFill/>
+        </p:spPr>
+        <p:txBody>
+          <a:bodyPr wrap="square" rtlCol="0">
+            <a:spAutoFit/>
+          </a:bodyPr>
+          <a:lstStyle/>
+          <a:p>
+            <a:pPr algn="r">
+              <a:defRPr/>
+            </a:pPr>
+            <a:r>
+              <a:rPr lang="en-US" altLang="zh-CN" sz="2800" b="1" dirty="0">
+                <a:solidFill>
+                  <a:srgbClr val="000000">
+                    <a:lumMod val="65000"/>
+                    <a:lumOff val="35000"/>
+                  </a:srgbClr>
+                </a:solidFill>
+                <a:latin typeface="Agency FB" panose="020B0503020202020204" pitchFamily="34" charset="0"/>
+                <a:ea typeface="微软雅黑"/>
+                <a:cs typeface="+mn-ea"/>
+              </a:rPr>
+              <a:t>Whether the warehouse area is related to whether the goods arrive or not</a:t>
+            </a:r>
+          </a:p>
+          <a:p>
+            <a:pPr marL="0" marR="0" lvl="0" indent="0" algn="r" defTabSz="914400" rtl="0" eaLnBrk="1" fontAlgn="auto" latinLnBrk="0" hangingPunct="1">
+              <a:lnSpc>
+                <a:spcPct val="100000"/>
+              </a:lnSpc>
+              <a:spcBef>
+                <a:spcPts val="0"/>
+              </a:spcBef>
+              <a:spcAft>
+                <a:spcPts val="0"/>
+              </a:spcAft>
+              <a:buClrTx/>
+              <a:buSzTx/>
+              <a:buFontTx/>
+              <a:buNone/>
+              <a:tabLst/>
+              <a:defRPr/>
+            </a:pPr>
+            <a:endParaRPr kumimoji="0" lang="id-ID" sz="2800" b="1" i="0" u="none" strike="noStrike" kern="1200" cap="none" spc="0" normalizeH="0" baseline="0" noProof="0" dirty="0">
+              <a:ln>
+                <a:noFill/>
+              </a:ln>
+              <a:solidFill>
+                <a:srgbClr val="000000">
+                  <a:lumMod val="65000"/>
+                  <a:lumOff val="35000"/>
+                </a:srgbClr>
+              </a:solidFill>
+              <a:effectLst/>
+              <a:uLnTx/>
+              <a:uFillTx/>
+              <a:latin typeface="Agency FB" panose="020B0503020202020204" pitchFamily="34" charset="0"/>
+              <a:ea typeface="微软雅黑"/>
+              <a:cs typeface="+mn-ea"/>
+              <a:sym typeface="+mn-lt"/>
+            </a:endParaRPr>
+          </a:p>
+        </p:txBody>
+      </p:sp>
+      <p:sp>
+        <p:nvSpPr>
+          <p:cNvPr id="14" name="矩形 13">
+            <a:extLst>
+              <a:ext uri="{FF2B5EF4-FFF2-40B4-BE49-F238E27FC236}">
+                <a16:creationId xmlns:a16="http://schemas.microsoft.com/office/drawing/2014/main" id="{5AEB6508-FE28-B12C-C5E3-35AC3B9E9B60}"/>
+              </a:ext>
+            </a:extLst>
+          </p:cNvPr>
+          <p:cNvSpPr/>
+          <p:nvPr/>
+        </p:nvSpPr>
+        <p:spPr>
+          <a:xfrm>
+            <a:off x="1011034" y="468640"/>
+            <a:ext cx="113573" cy="591328"/>
+          </a:xfrm>
+          <a:prstGeom prst="rect">
+            <a:avLst/>
+          </a:prstGeom>
+          <a:solidFill>
+            <a:srgbClr val="156F6D"/>
+          </a:solidFill>
+          <a:ln>
+            <a:noFill/>
+          </a:ln>
+        </p:spPr>
+        <p:style>
+          <a:lnRef idx="2">
+            <a:schemeClr val="accent1">
+              <a:shade val="50000"/>
+            </a:schemeClr>
+          </a:lnRef>
+          <a:fillRef idx="1">
+            <a:schemeClr val="accent1"/>
+          </a:fillRef>
+          <a:effectRef idx="0">
+            <a:schemeClr val="accent1"/>
+          </a:effectRef>
+          <a:fontRef idx="minor">
+            <a:schemeClr val="lt1"/>
+          </a:fontRef>
+        </p:style>
+        <p:txBody>
+          <a:bodyPr rtlCol="0" anchor="ctr"/>
+          <a:lstStyle/>
+          <a:p>
+            <a:pPr marL="0" marR="0" lvl="0" indent="0" algn="ctr" defTabSz="914400" rtl="0" eaLnBrk="1" fontAlgn="auto" latinLnBrk="0" hangingPunct="1">
+              <a:lnSpc>
+                <a:spcPct val="100000"/>
+              </a:lnSpc>
+              <a:spcBef>
+                <a:spcPts val="0"/>
+              </a:spcBef>
+              <a:spcAft>
+                <a:spcPts val="0"/>
+              </a:spcAft>
+              <a:buClrTx/>
+              <a:buSzTx/>
+              <a:buFontTx/>
+              <a:buNone/>
+              <a:tabLst/>
+              <a:defRPr/>
+            </a:pPr>
+            <a:endParaRPr kumimoji="0" lang="zh-CN" altLang="en-US" sz="1800" b="0" i="0" u="none" strike="noStrike" kern="1200" cap="none" spc="0" normalizeH="0" baseline="0" noProof="0">
+              <a:ln>
+                <a:noFill/>
+              </a:ln>
+              <a:solidFill>
+                <a:srgbClr val="FFFFFF"/>
+              </a:solidFill>
+              <a:effectLst/>
+              <a:uLnTx/>
+              <a:uFillTx/>
+              <a:latin typeface="Arial"/>
+              <a:ea typeface="微软雅黑"/>
+              <a:cs typeface="+mn-ea"/>
+              <a:sym typeface="+mn-lt"/>
+            </a:endParaRPr>
+          </a:p>
+        </p:txBody>
+      </p:sp>
+      <p:pic>
+        <p:nvPicPr>
+          <p:cNvPr id="5" name="图片 4">
+            <a:extLst>
+              <a:ext uri="{FF2B5EF4-FFF2-40B4-BE49-F238E27FC236}">
+                <a16:creationId xmlns:a16="http://schemas.microsoft.com/office/drawing/2014/main" id="{BA24BA86-49A5-914E-AB07-46B8FC0FEE9C}"/>
+              </a:ext>
+            </a:extLst>
+          </p:cNvPr>
+          <p:cNvPicPr>
+            <a:picLocks noChangeAspect="1"/>
+          </p:cNvPicPr>
+          <p:nvPr/>
+        </p:nvPicPr>
+        <p:blipFill>
+          <a:blip r:embed="rId3"/>
+          <a:stretch>
+            <a:fillRect/>
+          </a:stretch>
+        </p:blipFill>
+        <p:spPr>
+          <a:xfrm>
+            <a:off x="201819" y="1580008"/>
+            <a:ext cx="6734224" cy="4562508"/>
+          </a:xfrm>
+          <a:prstGeom prst="rect">
+            <a:avLst/>
+          </a:prstGeom>
+        </p:spPr>
+      </p:pic>
+      <p:sp>
+        <p:nvSpPr>
+          <p:cNvPr id="9" name="文本框 8">
+            <a:extLst>
+              <a:ext uri="{FF2B5EF4-FFF2-40B4-BE49-F238E27FC236}">
+                <a16:creationId xmlns:a16="http://schemas.microsoft.com/office/drawing/2014/main" id="{09E40F03-2D56-AABB-69CD-5648D0251A81}"/>
+              </a:ext>
+            </a:extLst>
+          </p:cNvPr>
+          <p:cNvSpPr txBox="1"/>
+          <p:nvPr/>
+        </p:nvSpPr>
+        <p:spPr>
+          <a:xfrm>
+            <a:off x="7362763" y="4862729"/>
+            <a:ext cx="4178460" cy="646331"/>
+          </a:xfrm>
+          <a:prstGeom prst="rect">
+            <a:avLst/>
+          </a:prstGeom>
+          <a:noFill/>
+        </p:spPr>
+        <p:txBody>
+          <a:bodyPr wrap="square">
+            <a:spAutoFit/>
+          </a:bodyPr>
+          <a:lstStyle/>
+          <a:p>
+            <a:r>
+              <a:rPr lang="en-US" altLang="zh-CN" b="0" dirty="0">
+                <a:effectLst/>
+                <a:latin typeface="Consolas" panose="020B0609020204030204" pitchFamily="49" charset="0"/>
+              </a:rPr>
+              <a:t>The warehouse area has little influence on the delivery</a:t>
+            </a:r>
+            <a:r>
+              <a:rPr lang="en-US" altLang="zh-CN" dirty="0">
+                <a:latin typeface="Consolas" panose="020B0609020204030204" pitchFamily="49" charset="0"/>
+              </a:rPr>
+              <a:t>.</a:t>
+            </a:r>
+            <a:endParaRPr lang="en-US" altLang="zh-CN" b="0" dirty="0">
+              <a:effectLst/>
+              <a:latin typeface="Consolas" panose="020B0609020204030204" pitchFamily="49" charset="0"/>
+            </a:endParaRPr>
+          </a:p>
+        </p:txBody>
+      </p:sp>
+    </p:spTree>
+    <p:extLst>
+      <p:ext uri="{BB962C8B-B14F-4D97-AF65-F5344CB8AC3E}">
+        <p14:creationId xmlns:p14="http://schemas.microsoft.com/office/powerpoint/2010/main" val="2136560172"/>
+      </p:ext>
+    </p:extLst>
+  </p:cSld>
+  <p:clrMapOvr>
+    <a:masterClrMapping/>
+  </p:clrMapOvr>
+  <mc:AlternateContent xmlns:mc="http://schemas.openxmlformats.org/markup-compatibility/2006" xmlns:p14="http://schemas.microsoft.com/office/powerpoint/2010/main">
+    <mc:Choice Requires="p14">
+      <p:transition spd="slow" p14:dur="1500" advTm="0">
+        <p:random/>
+      </p:transition>
+    </mc:Choice>
+    <mc:Fallback xmlns="">
+      <p:transition spd="slow" advTm="0">
+        <p:random/>
+      </p:transition>
+    </mc:Fallback>
+  </mc:AlternateContent>
+  <p:timing>
+    <p:tnLst>
+      <p:par>
+        <p:cTn id="1" dur="indefinite" restart="never" nodeType="tmRoot">
+          <p:childTnLst>
+            <p:seq concurrent="1" nextAc="seek">
+              <p:cTn id="2" dur="indefinite" nodeType="mainSeq">
+                <p:childTnLst>
+                  <p:par>
+                    <p:cTn id="3" fill="hold">
+                      <p:stCondLst>
+                        <p:cond delay="indefinite"/>
+                        <p:cond evt="onBegin" delay="0">
+                          <p:tn val="2"/>
+                        </p:cond>
+                      </p:stCondLst>
+                      <p:childTnLst>
+                        <p:par>
+                          <p:cTn id="4" fill="hold">
+                            <p:stCondLst>
+                              <p:cond delay="0"/>
+                            </p:stCondLst>
+                            <p:childTnLst>
+                              <p:par>
+                                <p:cTn id="5" presetID="22" presetClass="entr" presetSubtype="8" fill="hold" grpId="0" nodeType="afterEffect">
+                                  <p:stCondLst>
+                                    <p:cond delay="0"/>
+                                  </p:stCondLst>
+                                  <p:childTnLst>
+                                    <p:set>
+                                      <p:cBhvr>
+                                        <p:cTn id="6" dur="1" fill="hold">
+                                          <p:stCondLst>
+                                            <p:cond delay="0"/>
+                                          </p:stCondLst>
+                                        </p:cTn>
+                                        <p:tgtEl>
+                                          <p:spTgt spid="29"/>
+                                        </p:tgtEl>
+                                        <p:attrNameLst>
+                                          <p:attrName>style.visibility</p:attrName>
+                                        </p:attrNameLst>
+                                      </p:cBhvr>
+                                      <p:to>
+                                        <p:strVal val="visible"/>
+                                      </p:to>
+                                    </p:set>
+                                    <p:animEffect transition="in" filter="wipe(left)">
+                                      <p:cBhvr>
+                                        <p:cTn id="7" dur="500"/>
+                                        <p:tgtEl>
+                                          <p:spTgt spid="29"/>
+                                        </p:tgtEl>
+                                      </p:cBhvr>
+                                    </p:animEffect>
+                                  </p:childTnLst>
+                                </p:cTn>
+                              </p:par>
+                              <p:par>
+                                <p:cTn id="8" presetID="22" presetClass="entr" presetSubtype="8" fill="hold" grpId="0" nodeType="withEffect">
+                                  <p:stCondLst>
+                                    <p:cond delay="0"/>
+                                  </p:stCondLst>
+                                  <p:childTnLst>
+                                    <p:set>
+                                      <p:cBhvr>
+                                        <p:cTn id="9" dur="1" fill="hold">
+                                          <p:stCondLst>
+                                            <p:cond delay="0"/>
+                                          </p:stCondLst>
+                                        </p:cTn>
+                                        <p:tgtEl>
+                                          <p:spTgt spid="31"/>
+                                        </p:tgtEl>
+                                        <p:attrNameLst>
+                                          <p:attrName>style.visibility</p:attrName>
+                                        </p:attrNameLst>
+                                      </p:cBhvr>
+                                      <p:to>
+                                        <p:strVal val="visible"/>
+                                      </p:to>
+                                    </p:set>
+                                    <p:animEffect transition="in" filter="wipe(left)">
+                                      <p:cBhvr>
+                                        <p:cTn id="10" dur="500"/>
+                                        <p:tgtEl>
+                                          <p:spTgt spid="31"/>
+                                        </p:tgtEl>
+                                      </p:cBhvr>
+                                    </p:animEffect>
+                                  </p:childTnLst>
+                                </p:cTn>
+                              </p:par>
+                            </p:childTnLst>
+                          </p:cTn>
+                        </p:par>
+                        <p:par>
+                          <p:cTn id="11" fill="hold">
+                            <p:stCondLst>
+                              <p:cond delay="500"/>
+                            </p:stCondLst>
+                            <p:childTnLst>
+                              <p:par>
+                                <p:cTn id="12" presetID="10" presetClass="entr" presetSubtype="0" fill="hold" grpId="0" nodeType="afterEffect">
+                                  <p:stCondLst>
+                                    <p:cond delay="0"/>
+                                  </p:stCondLst>
+                                  <p:childTnLst>
+                                    <p:set>
+                                      <p:cBhvr>
+                                        <p:cTn id="13" dur="1" fill="hold">
+                                          <p:stCondLst>
+                                            <p:cond delay="0"/>
+                                          </p:stCondLst>
+                                        </p:cTn>
+                                        <p:tgtEl>
+                                          <p:spTgt spid="14"/>
+                                        </p:tgtEl>
+                                        <p:attrNameLst>
+                                          <p:attrName>style.visibility</p:attrName>
+                                        </p:attrNameLst>
+                                      </p:cBhvr>
+                                      <p:to>
+                                        <p:strVal val="visible"/>
+                                      </p:to>
+                                    </p:set>
+                                    <p:animEffect transition="in" filter="fade">
+                                      <p:cBhvr>
+                                        <p:cTn id="14" dur="500"/>
+                                        <p:tgtEl>
+                                          <p:spTgt spid="14"/>
+                                        </p:tgtEl>
+                                      </p:cBhvr>
+                                    </p:animEffect>
+                                  </p:childTnLst>
+                                </p:cTn>
+                              </p:par>
+                            </p:childTnLst>
+                          </p:cTn>
+                        </p:par>
+                      </p:childTnLst>
+                    </p:cTn>
+                  </p:par>
+                </p:childTnLst>
+              </p:cTn>
+              <p:prevCondLst>
+                <p:cond evt="onPrev" delay="0">
+                  <p:tgtEl>
+                    <p:sldTgt/>
+                  </p:tgtEl>
+                </p:cond>
+              </p:prevCondLst>
+              <p:nextCondLst>
+                <p:cond evt="onNext" delay="0">
+                  <p:tgtEl>
+                    <p:sldTgt/>
+                  </p:tgtEl>
+                </p:cond>
+              </p:nextCondLst>
+            </p:seq>
+          </p:childTnLst>
+        </p:cTn>
+      </p:par>
+    </p:tnLst>
+    <p:bldLst>
+      <p:bldP spid="29" grpId="0" animBg="1"/>
+      <p:bldP spid="31" grpId="0" animBg="1"/>
+      <p:bldP spid="14" grpId="0" bldLvl="0" animBg="1"/>
+    </p:bldLst>
+  </p:timing>
+</p:sld>
+</file>
+
+<file path=ppt/slides/slide13.xml><?xml version="1.0" encoding="utf-8"?>
+<p:sld xmlns:a="http://schemas.openxmlformats.org/drawingml/2006/main" xmlns:r="http://schemas.openxmlformats.org/officeDocument/2006/relationships" xmlns:p="http://schemas.openxmlformats.org/presentationml/2006/main">
+  <p:cSld>
+    <p:spTree>
+      <p:nvGrpSpPr>
+        <p:cNvPr id="1" name=""/>
+        <p:cNvGrpSpPr/>
+        <p:nvPr/>
+      </p:nvGrpSpPr>
+      <p:grpSpPr>
+        <a:xfrm>
+          <a:off x="0" y="0"/>
+          <a:ext cx="0" cy="0"/>
+          <a:chOff x="0" y="0"/>
+          <a:chExt cx="0" cy="0"/>
+        </a:xfrm>
+      </p:grpSpPr>
+      <p:sp>
+        <p:nvSpPr>
+          <p:cNvPr id="29" name="矩形 28"/>
+          <p:cNvSpPr/>
+          <p:nvPr/>
+        </p:nvSpPr>
+        <p:spPr>
+          <a:xfrm>
+            <a:off x="5215403" y="4272806"/>
+            <a:ext cx="1002783" cy="45719"/>
+          </a:xfrm>
+          <a:prstGeom prst="rect">
+            <a:avLst/>
+          </a:prstGeom>
+          <a:solidFill>
+            <a:srgbClr val="1C9494"/>
+          </a:solidFill>
+          <a:ln>
+            <a:noFill/>
+          </a:ln>
+        </p:spPr>
+        <p:style>
+          <a:lnRef idx="2">
+            <a:schemeClr val="accent1">
+              <a:shade val="50000"/>
+            </a:schemeClr>
+          </a:lnRef>
+          <a:fillRef idx="1">
+            <a:schemeClr val="accent1"/>
+          </a:fillRef>
+          <a:effectRef idx="0">
+            <a:schemeClr val="accent1"/>
+          </a:effectRef>
+          <a:fontRef idx="minor">
+            <a:schemeClr val="lt1"/>
+          </a:fontRef>
+        </p:style>
+        <p:txBody>
+          <a:bodyPr rtlCol="0" anchor="ctr"/>
+          <a:lstStyle/>
+          <a:p>
+            <a:pPr algn="ctr"/>
+            <a:endParaRPr lang="zh-CN" altLang="en-US">
+              <a:cs typeface="+mn-ea"/>
+              <a:sym typeface="+mn-lt"/>
+            </a:endParaRPr>
+          </a:p>
+        </p:txBody>
+      </p:sp>
+      <p:sp>
+        <p:nvSpPr>
+          <p:cNvPr id="31" name="矩形 30"/>
+          <p:cNvSpPr/>
+          <p:nvPr/>
+        </p:nvSpPr>
+        <p:spPr>
+          <a:xfrm>
+            <a:off x="9451993" y="4272806"/>
+            <a:ext cx="1002783" cy="45719"/>
+          </a:xfrm>
+          <a:prstGeom prst="rect">
+            <a:avLst/>
+          </a:prstGeom>
+          <a:solidFill>
+            <a:srgbClr val="1C9494"/>
+          </a:solidFill>
+          <a:ln>
+            <a:noFill/>
+          </a:ln>
+        </p:spPr>
+        <p:style>
+          <a:lnRef idx="2">
+            <a:schemeClr val="accent1">
+              <a:shade val="50000"/>
+            </a:schemeClr>
+          </a:lnRef>
+          <a:fillRef idx="1">
+            <a:schemeClr val="accent1"/>
+          </a:fillRef>
+          <a:effectRef idx="0">
+            <a:schemeClr val="accent1"/>
+          </a:effectRef>
+          <a:fontRef idx="minor">
+            <a:schemeClr val="lt1"/>
+          </a:fontRef>
+        </p:style>
+        <p:txBody>
+          <a:bodyPr rtlCol="0" anchor="ctr"/>
+          <a:lstStyle/>
+          <a:p>
+            <a:pPr algn="ctr"/>
+            <a:endParaRPr lang="zh-CN" altLang="en-US">
+              <a:cs typeface="+mn-ea"/>
+              <a:sym typeface="+mn-lt"/>
+            </a:endParaRPr>
+          </a:p>
+        </p:txBody>
+      </p:sp>
+      <p:sp>
+        <p:nvSpPr>
+          <p:cNvPr id="13" name="TextBox 28">
+            <a:extLst>
+              <a:ext uri="{FF2B5EF4-FFF2-40B4-BE49-F238E27FC236}">
+                <a16:creationId xmlns:a16="http://schemas.microsoft.com/office/drawing/2014/main" id="{0D90288A-4817-27E9-103F-FD459454DA6C}"/>
+              </a:ext>
+            </a:extLst>
+          </p:cNvPr>
+          <p:cNvSpPr txBox="1"/>
+          <p:nvPr/>
+        </p:nvSpPr>
+        <p:spPr>
+          <a:xfrm>
+            <a:off x="1317740" y="430480"/>
+            <a:ext cx="9904442" cy="1815882"/>
+          </a:xfrm>
+          <a:prstGeom prst="rect">
+            <a:avLst/>
+          </a:prstGeom>
+          <a:noFill/>
+        </p:spPr>
+        <p:txBody>
+          <a:bodyPr wrap="square" rtlCol="0">
+            <a:spAutoFit/>
+          </a:bodyPr>
+          <a:lstStyle/>
+          <a:p>
+            <a:pPr algn="r">
+              <a:defRPr/>
+            </a:pPr>
+            <a:r>
+              <a:rPr lang="en-US" altLang="zh-CN" sz="2800" b="1" dirty="0">
+                <a:solidFill>
+                  <a:srgbClr val="000000">
+                    <a:lumMod val="65000"/>
+                    <a:lumOff val="35000"/>
+                  </a:srgbClr>
+                </a:solidFill>
+                <a:latin typeface="Agency FB" panose="020B0503020202020204" pitchFamily="34" charset="0"/>
+                <a:ea typeface="微软雅黑"/>
+                <a:cs typeface="+mn-ea"/>
+              </a:rPr>
+              <a:t>Relationship between  different shipping methods, importance and arrival rate</a:t>
+            </a:r>
+          </a:p>
+          <a:p>
+            <a:pPr algn="r">
+              <a:defRPr/>
+            </a:pPr>
+            <a:endParaRPr lang="en-US" altLang="zh-CN" sz="2800" b="1" dirty="0">
+              <a:solidFill>
+                <a:srgbClr val="000000">
+                  <a:lumMod val="65000"/>
+                  <a:lumOff val="35000"/>
+                </a:srgbClr>
+              </a:solidFill>
+              <a:latin typeface="Agency FB" panose="020B0503020202020204" pitchFamily="34" charset="0"/>
+              <a:ea typeface="微软雅黑"/>
+              <a:cs typeface="+mn-ea"/>
+            </a:endParaRPr>
+          </a:p>
+          <a:p>
+            <a:pPr algn="r">
+              <a:defRPr/>
+            </a:pPr>
+            <a:endParaRPr lang="en-US" altLang="zh-CN" sz="2800" b="1" dirty="0">
+              <a:solidFill>
+                <a:srgbClr val="000000">
+                  <a:lumMod val="65000"/>
+                  <a:lumOff val="35000"/>
+                </a:srgbClr>
+              </a:solidFill>
+              <a:latin typeface="Agency FB" panose="020B0503020202020204" pitchFamily="34" charset="0"/>
+              <a:ea typeface="微软雅黑"/>
+              <a:cs typeface="+mn-ea"/>
+            </a:endParaRPr>
+          </a:p>
+          <a:p>
+            <a:pPr marL="0" marR="0" lvl="0" indent="0" algn="r" defTabSz="914400" rtl="0" eaLnBrk="1" fontAlgn="auto" latinLnBrk="0" hangingPunct="1">
+              <a:lnSpc>
+                <a:spcPct val="100000"/>
+              </a:lnSpc>
+              <a:spcBef>
+                <a:spcPts val="0"/>
+              </a:spcBef>
+              <a:spcAft>
+                <a:spcPts val="0"/>
+              </a:spcAft>
+              <a:buClrTx/>
+              <a:buSzTx/>
+              <a:buFontTx/>
+              <a:buNone/>
+              <a:tabLst/>
+              <a:defRPr/>
+            </a:pPr>
+            <a:endParaRPr kumimoji="0" lang="id-ID" sz="2800" b="1" i="0" u="none" strike="noStrike" kern="1200" cap="none" spc="0" normalizeH="0" baseline="0" noProof="0" dirty="0">
+              <a:ln>
+                <a:noFill/>
+              </a:ln>
+              <a:solidFill>
+                <a:srgbClr val="000000">
+                  <a:lumMod val="65000"/>
+                  <a:lumOff val="35000"/>
+                </a:srgbClr>
+              </a:solidFill>
+              <a:effectLst/>
+              <a:uLnTx/>
+              <a:uFillTx/>
+              <a:latin typeface="Agency FB" panose="020B0503020202020204" pitchFamily="34" charset="0"/>
+              <a:ea typeface="微软雅黑"/>
+              <a:cs typeface="+mn-ea"/>
+              <a:sym typeface="+mn-lt"/>
+            </a:endParaRPr>
+          </a:p>
+        </p:txBody>
+      </p:sp>
+      <p:sp>
+        <p:nvSpPr>
+          <p:cNvPr id="14" name="矩形 13">
+            <a:extLst>
+              <a:ext uri="{FF2B5EF4-FFF2-40B4-BE49-F238E27FC236}">
+                <a16:creationId xmlns:a16="http://schemas.microsoft.com/office/drawing/2014/main" id="{5AEB6508-FE28-B12C-C5E3-35AC3B9E9B60}"/>
+              </a:ext>
+            </a:extLst>
+          </p:cNvPr>
+          <p:cNvSpPr/>
+          <p:nvPr/>
+        </p:nvSpPr>
+        <p:spPr>
+          <a:xfrm>
+            <a:off x="1011034" y="468640"/>
+            <a:ext cx="113573" cy="591328"/>
+          </a:xfrm>
+          <a:prstGeom prst="rect">
+            <a:avLst/>
+          </a:prstGeom>
+          <a:solidFill>
+            <a:srgbClr val="156F6D"/>
+          </a:solidFill>
+          <a:ln>
+            <a:noFill/>
+          </a:ln>
+        </p:spPr>
+        <p:style>
+          <a:lnRef idx="2">
+            <a:schemeClr val="accent1">
+              <a:shade val="50000"/>
+            </a:schemeClr>
+          </a:lnRef>
+          <a:fillRef idx="1">
+            <a:schemeClr val="accent1"/>
+          </a:fillRef>
+          <a:effectRef idx="0">
+            <a:schemeClr val="accent1"/>
+          </a:effectRef>
+          <a:fontRef idx="minor">
+            <a:schemeClr val="lt1"/>
+          </a:fontRef>
+        </p:style>
+        <p:txBody>
+          <a:bodyPr rtlCol="0" anchor="ctr"/>
+          <a:lstStyle/>
+          <a:p>
+            <a:pPr marL="0" marR="0" lvl="0" indent="0" algn="ctr" defTabSz="914400" rtl="0" eaLnBrk="1" fontAlgn="auto" latinLnBrk="0" hangingPunct="1">
+              <a:lnSpc>
+                <a:spcPct val="100000"/>
+              </a:lnSpc>
+              <a:spcBef>
+                <a:spcPts val="0"/>
+              </a:spcBef>
+              <a:spcAft>
+                <a:spcPts val="0"/>
+              </a:spcAft>
+              <a:buClrTx/>
+              <a:buSzTx/>
+              <a:buFontTx/>
+              <a:buNone/>
+              <a:tabLst/>
+              <a:defRPr/>
+            </a:pPr>
+            <a:endParaRPr kumimoji="0" lang="zh-CN" altLang="en-US" sz="1800" b="0" i="0" u="none" strike="noStrike" kern="1200" cap="none" spc="0" normalizeH="0" baseline="0" noProof="0">
+              <a:ln>
+                <a:noFill/>
+              </a:ln>
+              <a:solidFill>
+                <a:srgbClr val="FFFFFF"/>
+              </a:solidFill>
+              <a:effectLst/>
+              <a:uLnTx/>
+              <a:uFillTx/>
+              <a:latin typeface="Arial"/>
+              <a:ea typeface="微软雅黑"/>
+              <a:cs typeface="+mn-ea"/>
+              <a:sym typeface="+mn-lt"/>
+            </a:endParaRPr>
+          </a:p>
+        </p:txBody>
+      </p:sp>
+      <p:sp>
+        <p:nvSpPr>
+          <p:cNvPr id="9" name="文本框 8">
+            <a:extLst>
+              <a:ext uri="{FF2B5EF4-FFF2-40B4-BE49-F238E27FC236}">
+                <a16:creationId xmlns:a16="http://schemas.microsoft.com/office/drawing/2014/main" id="{09E40F03-2D56-AABB-69CD-5648D0251A81}"/>
+              </a:ext>
+            </a:extLst>
+          </p:cNvPr>
+          <p:cNvSpPr txBox="1"/>
+          <p:nvPr/>
+        </p:nvSpPr>
+        <p:spPr>
+          <a:xfrm>
+            <a:off x="7150725" y="4340756"/>
+            <a:ext cx="4178460" cy="1477328"/>
+          </a:xfrm>
+          <a:prstGeom prst="rect">
+            <a:avLst/>
+          </a:prstGeom>
+          <a:noFill/>
+        </p:spPr>
+        <p:txBody>
+          <a:bodyPr wrap="square">
+            <a:spAutoFit/>
+          </a:bodyPr>
+          <a:lstStyle/>
+          <a:p>
+            <a:r>
+              <a:rPr lang="en-US" altLang="zh-CN" dirty="0">
+                <a:latin typeface="Consolas" panose="020B0609020204030204" pitchFamily="49" charset="0"/>
+              </a:rPr>
+              <a:t>The arrival rate of different shipping methods is basically the same, but the arrival rate of products with higher importance is relatively higher</a:t>
+            </a:r>
+            <a:endParaRPr lang="en-US" altLang="zh-CN" b="0" dirty="0">
+              <a:effectLst/>
+              <a:latin typeface="Consolas" panose="020B0609020204030204" pitchFamily="49" charset="0"/>
+            </a:endParaRPr>
+          </a:p>
+        </p:txBody>
+      </p:sp>
+      <p:pic>
+        <p:nvPicPr>
+          <p:cNvPr id="3" name="图片 2">
+            <a:extLst>
+              <a:ext uri="{FF2B5EF4-FFF2-40B4-BE49-F238E27FC236}">
+                <a16:creationId xmlns:a16="http://schemas.microsoft.com/office/drawing/2014/main" id="{C731C504-047E-B022-8F4E-0765133E90B7}"/>
+              </a:ext>
+            </a:extLst>
+          </p:cNvPr>
+          <p:cNvPicPr>
+            <a:picLocks noChangeAspect="1"/>
+          </p:cNvPicPr>
+          <p:nvPr/>
+        </p:nvPicPr>
+        <p:blipFill>
+          <a:blip r:embed="rId3"/>
+          <a:stretch>
+            <a:fillRect/>
+          </a:stretch>
+        </p:blipFill>
+        <p:spPr>
+          <a:xfrm>
+            <a:off x="104404" y="1598775"/>
+            <a:ext cx="6762799" cy="4638709"/>
+          </a:xfrm>
+          <a:prstGeom prst="rect">
+            <a:avLst/>
+          </a:prstGeom>
+        </p:spPr>
+      </p:pic>
+    </p:spTree>
+    <p:extLst>
+      <p:ext uri="{BB962C8B-B14F-4D97-AF65-F5344CB8AC3E}">
+        <p14:creationId xmlns:p14="http://schemas.microsoft.com/office/powerpoint/2010/main" val="2640442377"/>
+      </p:ext>
+    </p:extLst>
+  </p:cSld>
+  <p:clrMapOvr>
+    <a:masterClrMapping/>
+  </p:clrMapOvr>
+  <mc:AlternateContent xmlns:mc="http://schemas.openxmlformats.org/markup-compatibility/2006" xmlns:p14="http://schemas.microsoft.com/office/powerpoint/2010/main">
+    <mc:Choice Requires="p14">
+      <p:transition spd="slow" p14:dur="1500" advTm="0">
+        <p:random/>
+      </p:transition>
+    </mc:Choice>
+    <mc:Fallback xmlns="">
+      <p:transition spd="slow" advTm="0">
+        <p:random/>
+      </p:transition>
+    </mc:Fallback>
+  </mc:AlternateContent>
+  <p:timing>
+    <p:tnLst>
+      <p:par>
+        <p:cTn id="1" dur="indefinite" restart="never" nodeType="tmRoot">
+          <p:childTnLst>
+            <p:seq concurrent="1" nextAc="seek">
+              <p:cTn id="2" dur="indefinite" nodeType="mainSeq">
+                <p:childTnLst>
+                  <p:par>
+                    <p:cTn id="3" fill="hold">
+                      <p:stCondLst>
+                        <p:cond delay="indefinite"/>
+                        <p:cond evt="onBegin" delay="0">
+                          <p:tn val="2"/>
+                        </p:cond>
+                      </p:stCondLst>
+                      <p:childTnLst>
+                        <p:par>
+                          <p:cTn id="4" fill="hold">
+                            <p:stCondLst>
+                              <p:cond delay="0"/>
+                            </p:stCondLst>
+                            <p:childTnLst>
+                              <p:par>
+                                <p:cTn id="5" presetID="22" presetClass="entr" presetSubtype="8" fill="hold" grpId="0" nodeType="afterEffect">
+                                  <p:stCondLst>
+                                    <p:cond delay="0"/>
+                                  </p:stCondLst>
+                                  <p:childTnLst>
+                                    <p:set>
+                                      <p:cBhvr>
+                                        <p:cTn id="6" dur="1" fill="hold">
+                                          <p:stCondLst>
+                                            <p:cond delay="0"/>
+                                          </p:stCondLst>
+                                        </p:cTn>
+                                        <p:tgtEl>
+                                          <p:spTgt spid="29"/>
+                                        </p:tgtEl>
+                                        <p:attrNameLst>
+                                          <p:attrName>style.visibility</p:attrName>
+                                        </p:attrNameLst>
+                                      </p:cBhvr>
+                                      <p:to>
+                                        <p:strVal val="visible"/>
+                                      </p:to>
+                                    </p:set>
+                                    <p:animEffect transition="in" filter="wipe(left)">
+                                      <p:cBhvr>
+                                        <p:cTn id="7" dur="500"/>
+                                        <p:tgtEl>
+                                          <p:spTgt spid="29"/>
+                                        </p:tgtEl>
+                                      </p:cBhvr>
+                                    </p:animEffect>
+                                  </p:childTnLst>
+                                </p:cTn>
+                              </p:par>
+                              <p:par>
+                                <p:cTn id="8" presetID="22" presetClass="entr" presetSubtype="8" fill="hold" grpId="0" nodeType="withEffect">
+                                  <p:stCondLst>
+                                    <p:cond delay="0"/>
+                                  </p:stCondLst>
+                                  <p:childTnLst>
+                                    <p:set>
+                                      <p:cBhvr>
+                                        <p:cTn id="9" dur="1" fill="hold">
+                                          <p:stCondLst>
+                                            <p:cond delay="0"/>
+                                          </p:stCondLst>
+                                        </p:cTn>
+                                        <p:tgtEl>
+                                          <p:spTgt spid="31"/>
+                                        </p:tgtEl>
+                                        <p:attrNameLst>
+                                          <p:attrName>style.visibility</p:attrName>
+                                        </p:attrNameLst>
+                                      </p:cBhvr>
+                                      <p:to>
+                                        <p:strVal val="visible"/>
+                                      </p:to>
+                                    </p:set>
+                                    <p:animEffect transition="in" filter="wipe(left)">
+                                      <p:cBhvr>
+                                        <p:cTn id="10" dur="500"/>
+                                        <p:tgtEl>
+                                          <p:spTgt spid="31"/>
+                                        </p:tgtEl>
+                                      </p:cBhvr>
+                                    </p:animEffect>
+                                  </p:childTnLst>
+                                </p:cTn>
+                              </p:par>
+                            </p:childTnLst>
+                          </p:cTn>
+                        </p:par>
+                        <p:par>
+                          <p:cTn id="11" fill="hold">
+                            <p:stCondLst>
+                              <p:cond delay="500"/>
+                            </p:stCondLst>
+                            <p:childTnLst>
+                              <p:par>
+                                <p:cTn id="12" presetID="10" presetClass="entr" presetSubtype="0" fill="hold" grpId="0" nodeType="afterEffect">
+                                  <p:stCondLst>
+                                    <p:cond delay="0"/>
+                                  </p:stCondLst>
+                                  <p:childTnLst>
+                                    <p:set>
+                                      <p:cBhvr>
+                                        <p:cTn id="13" dur="1" fill="hold">
+                                          <p:stCondLst>
+                                            <p:cond delay="0"/>
+                                          </p:stCondLst>
+                                        </p:cTn>
+                                        <p:tgtEl>
+                                          <p:spTgt spid="14"/>
+                                        </p:tgtEl>
+                                        <p:attrNameLst>
+                                          <p:attrName>style.visibility</p:attrName>
+                                        </p:attrNameLst>
+                                      </p:cBhvr>
+                                      <p:to>
+                                        <p:strVal val="visible"/>
+                                      </p:to>
+                                    </p:set>
+                                    <p:animEffect transition="in" filter="fade">
+                                      <p:cBhvr>
+                                        <p:cTn id="14" dur="500"/>
+                                        <p:tgtEl>
+                                          <p:spTgt spid="14"/>
+                                        </p:tgtEl>
+                                      </p:cBhvr>
+                                    </p:animEffect>
+                                  </p:childTnLst>
+                                </p:cTn>
+                              </p:par>
+                            </p:childTnLst>
+                          </p:cTn>
+                        </p:par>
+                      </p:childTnLst>
+                    </p:cTn>
+                  </p:par>
+                </p:childTnLst>
+              </p:cTn>
+              <p:prevCondLst>
+                <p:cond evt="onPrev" delay="0">
+                  <p:tgtEl>
+                    <p:sldTgt/>
+                  </p:tgtEl>
+                </p:cond>
+              </p:prevCondLst>
+              <p:nextCondLst>
+                <p:cond evt="onNext" delay="0">
+                  <p:tgtEl>
+                    <p:sldTgt/>
+                  </p:tgtEl>
+                </p:cond>
+              </p:nextCondLst>
+            </p:seq>
+          </p:childTnLst>
+        </p:cTn>
+      </p:par>
+    </p:tnLst>
+    <p:bldLst>
+      <p:bldP spid="29" grpId="0" animBg="1"/>
+      <p:bldP spid="31" grpId="0" animBg="1"/>
+      <p:bldP spid="14" grpId="0" bldLvl="0" animBg="1"/>
+    </p:bldLst>
+  </p:timing>
+</p:sld>
+</file>
+
+<file path=ppt/slides/slide14.xml><?xml version="1.0" encoding="utf-8"?>
+<p:sld xmlns:a="http://schemas.openxmlformats.org/drawingml/2006/main" xmlns:r="http://schemas.openxmlformats.org/officeDocument/2006/relationships" xmlns:p="http://schemas.openxmlformats.org/presentationml/2006/main">
+  <p:cSld>
+    <p:spTree>
+      <p:nvGrpSpPr>
+        <p:cNvPr id="1" name=""/>
+        <p:cNvGrpSpPr/>
+        <p:nvPr/>
+      </p:nvGrpSpPr>
+      <p:grpSpPr>
+        <a:xfrm>
+          <a:off x="0" y="0"/>
+          <a:ext cx="0" cy="0"/>
+          <a:chOff x="0" y="0"/>
+          <a:chExt cx="0" cy="0"/>
+        </a:xfrm>
+      </p:grpSpPr>
+      <p:sp>
+        <p:nvSpPr>
+          <p:cNvPr id="29" name="矩形 28"/>
+          <p:cNvSpPr/>
+          <p:nvPr/>
+        </p:nvSpPr>
+        <p:spPr>
+          <a:xfrm>
+            <a:off x="5215403" y="4272806"/>
+            <a:ext cx="1002783" cy="45719"/>
+          </a:xfrm>
+          <a:prstGeom prst="rect">
+            <a:avLst/>
+          </a:prstGeom>
+          <a:solidFill>
+            <a:srgbClr val="1C9494"/>
+          </a:solidFill>
+          <a:ln>
+            <a:noFill/>
+          </a:ln>
+        </p:spPr>
+        <p:style>
+          <a:lnRef idx="2">
+            <a:schemeClr val="accent1">
+              <a:shade val="50000"/>
+            </a:schemeClr>
+          </a:lnRef>
+          <a:fillRef idx="1">
+            <a:schemeClr val="accent1"/>
+          </a:fillRef>
+          <a:effectRef idx="0">
+            <a:schemeClr val="accent1"/>
+          </a:effectRef>
+          <a:fontRef idx="minor">
+            <a:schemeClr val="lt1"/>
+          </a:fontRef>
+        </p:style>
+        <p:txBody>
+          <a:bodyPr rtlCol="0" anchor="ctr"/>
+          <a:lstStyle/>
+          <a:p>
+            <a:pPr algn="ctr"/>
+            <a:endParaRPr lang="zh-CN" altLang="en-US">
+              <a:cs typeface="+mn-ea"/>
+              <a:sym typeface="+mn-lt"/>
+            </a:endParaRPr>
+          </a:p>
+        </p:txBody>
+      </p:sp>
+      <p:sp>
+        <p:nvSpPr>
+          <p:cNvPr id="13" name="TextBox 28">
+            <a:extLst>
+              <a:ext uri="{FF2B5EF4-FFF2-40B4-BE49-F238E27FC236}">
+                <a16:creationId xmlns:a16="http://schemas.microsoft.com/office/drawing/2014/main" id="{0D90288A-4817-27E9-103F-FD459454DA6C}"/>
+              </a:ext>
+            </a:extLst>
+          </p:cNvPr>
+          <p:cNvSpPr txBox="1"/>
+          <p:nvPr/>
+        </p:nvSpPr>
+        <p:spPr>
+          <a:xfrm>
+            <a:off x="-555394" y="468640"/>
+            <a:ext cx="9904442" cy="2246769"/>
+          </a:xfrm>
+          <a:prstGeom prst="rect">
+            <a:avLst/>
+          </a:prstGeom>
+          <a:noFill/>
+        </p:spPr>
+        <p:txBody>
+          <a:bodyPr wrap="square" rtlCol="0">
+            <a:spAutoFit/>
+          </a:bodyPr>
+          <a:lstStyle/>
+          <a:p>
+            <a:pPr algn="r">
+              <a:defRPr/>
+            </a:pPr>
+            <a:r>
+              <a:rPr lang="en-US" altLang="zh-CN" sz="2800" b="1" dirty="0">
+                <a:solidFill>
+                  <a:srgbClr val="000000">
+                    <a:lumMod val="65000"/>
+                    <a:lumOff val="35000"/>
+                  </a:srgbClr>
+                </a:solidFill>
+                <a:latin typeface="Agency FB" panose="020B0503020202020204" pitchFamily="34" charset="0"/>
+                <a:ea typeface="微软雅黑"/>
+                <a:cs typeface="+mn-ea"/>
+              </a:rPr>
+              <a:t>Use a heatmap to see if there are correlations between features</a:t>
+            </a:r>
+          </a:p>
+          <a:p>
+            <a:pPr algn="r">
+              <a:defRPr/>
+            </a:pPr>
+            <a:endParaRPr lang="en-US" altLang="zh-CN" sz="2800" b="1" dirty="0">
+              <a:solidFill>
+                <a:srgbClr val="000000">
+                  <a:lumMod val="65000"/>
+                  <a:lumOff val="35000"/>
+                </a:srgbClr>
+              </a:solidFill>
+              <a:latin typeface="Agency FB" panose="020B0503020202020204" pitchFamily="34" charset="0"/>
+              <a:ea typeface="微软雅黑"/>
+              <a:cs typeface="+mn-ea"/>
+            </a:endParaRPr>
+          </a:p>
+          <a:p>
+            <a:pPr algn="r">
+              <a:defRPr/>
+            </a:pPr>
+            <a:endParaRPr lang="en-US" altLang="zh-CN" sz="2800" b="1" dirty="0">
+              <a:solidFill>
+                <a:srgbClr val="000000">
+                  <a:lumMod val="65000"/>
+                  <a:lumOff val="35000"/>
+                </a:srgbClr>
+              </a:solidFill>
+              <a:latin typeface="Agency FB" panose="020B0503020202020204" pitchFamily="34" charset="0"/>
+              <a:ea typeface="微软雅黑"/>
+              <a:cs typeface="+mn-ea"/>
+            </a:endParaRPr>
+          </a:p>
+          <a:p>
+            <a:pPr algn="r">
+              <a:defRPr/>
+            </a:pPr>
+            <a:endParaRPr lang="en-US" altLang="zh-CN" sz="2800" b="1" dirty="0">
+              <a:solidFill>
+                <a:srgbClr val="000000">
+                  <a:lumMod val="65000"/>
+                  <a:lumOff val="35000"/>
+                </a:srgbClr>
+              </a:solidFill>
+              <a:latin typeface="Agency FB" panose="020B0503020202020204" pitchFamily="34" charset="0"/>
+              <a:ea typeface="微软雅黑"/>
+              <a:cs typeface="+mn-ea"/>
+            </a:endParaRPr>
+          </a:p>
+          <a:p>
+            <a:pPr marL="0" marR="0" lvl="0" indent="0" algn="r" defTabSz="914400" rtl="0" eaLnBrk="1" fontAlgn="auto" latinLnBrk="0" hangingPunct="1">
+              <a:lnSpc>
+                <a:spcPct val="100000"/>
+              </a:lnSpc>
+              <a:spcBef>
+                <a:spcPts val="0"/>
+              </a:spcBef>
+              <a:spcAft>
+                <a:spcPts val="0"/>
+              </a:spcAft>
+              <a:buClrTx/>
+              <a:buSzTx/>
+              <a:buFontTx/>
+              <a:buNone/>
+              <a:tabLst/>
+              <a:defRPr/>
+            </a:pPr>
+            <a:endParaRPr kumimoji="0" lang="id-ID" sz="2800" b="1" i="0" u="none" strike="noStrike" kern="1200" cap="none" spc="0" normalizeH="0" baseline="0" noProof="0" dirty="0">
+              <a:ln>
+                <a:noFill/>
+              </a:ln>
+              <a:solidFill>
+                <a:srgbClr val="000000">
+                  <a:lumMod val="65000"/>
+                  <a:lumOff val="35000"/>
+                </a:srgbClr>
+              </a:solidFill>
+              <a:effectLst/>
+              <a:uLnTx/>
+              <a:uFillTx/>
+              <a:latin typeface="Agency FB" panose="020B0503020202020204" pitchFamily="34" charset="0"/>
+              <a:ea typeface="微软雅黑"/>
+              <a:cs typeface="+mn-ea"/>
+              <a:sym typeface="+mn-lt"/>
+            </a:endParaRPr>
+          </a:p>
+        </p:txBody>
+      </p:sp>
+      <p:sp>
+        <p:nvSpPr>
+          <p:cNvPr id="14" name="矩形 13">
+            <a:extLst>
+              <a:ext uri="{FF2B5EF4-FFF2-40B4-BE49-F238E27FC236}">
+                <a16:creationId xmlns:a16="http://schemas.microsoft.com/office/drawing/2014/main" id="{5AEB6508-FE28-B12C-C5E3-35AC3B9E9B60}"/>
+              </a:ext>
+            </a:extLst>
+          </p:cNvPr>
+          <p:cNvSpPr/>
+          <p:nvPr/>
+        </p:nvSpPr>
+        <p:spPr>
+          <a:xfrm>
+            <a:off x="1011034" y="468640"/>
+            <a:ext cx="113573" cy="591328"/>
+          </a:xfrm>
+          <a:prstGeom prst="rect">
+            <a:avLst/>
+          </a:prstGeom>
+          <a:solidFill>
+            <a:srgbClr val="156F6D"/>
+          </a:solidFill>
+          <a:ln>
+            <a:noFill/>
+          </a:ln>
+        </p:spPr>
+        <p:style>
+          <a:lnRef idx="2">
+            <a:schemeClr val="accent1">
+              <a:shade val="50000"/>
+            </a:schemeClr>
+          </a:lnRef>
+          <a:fillRef idx="1">
+            <a:schemeClr val="accent1"/>
+          </a:fillRef>
+          <a:effectRef idx="0">
+            <a:schemeClr val="accent1"/>
+          </a:effectRef>
+          <a:fontRef idx="minor">
+            <a:schemeClr val="lt1"/>
+          </a:fontRef>
+        </p:style>
+        <p:txBody>
+          <a:bodyPr rtlCol="0" anchor="ctr"/>
+          <a:lstStyle/>
+          <a:p>
+            <a:pPr marL="0" marR="0" lvl="0" indent="0" algn="ctr" defTabSz="914400" rtl="0" eaLnBrk="1" fontAlgn="auto" latinLnBrk="0" hangingPunct="1">
+              <a:lnSpc>
+                <a:spcPct val="100000"/>
+              </a:lnSpc>
+              <a:spcBef>
+                <a:spcPts val="0"/>
+              </a:spcBef>
+              <a:spcAft>
+                <a:spcPts val="0"/>
+              </a:spcAft>
+              <a:buClrTx/>
+              <a:buSzTx/>
+              <a:buFontTx/>
+              <a:buNone/>
+              <a:tabLst/>
+              <a:defRPr/>
+            </a:pPr>
+            <a:endParaRPr kumimoji="0" lang="zh-CN" altLang="en-US" sz="1800" b="0" i="0" u="none" strike="noStrike" kern="1200" cap="none" spc="0" normalizeH="0" baseline="0" noProof="0">
+              <a:ln>
+                <a:noFill/>
+              </a:ln>
+              <a:solidFill>
+                <a:srgbClr val="FFFFFF"/>
+              </a:solidFill>
+              <a:effectLst/>
+              <a:uLnTx/>
+              <a:uFillTx/>
+              <a:latin typeface="Arial"/>
+              <a:ea typeface="微软雅黑"/>
+              <a:cs typeface="+mn-ea"/>
+              <a:sym typeface="+mn-lt"/>
+            </a:endParaRPr>
+          </a:p>
+        </p:txBody>
+      </p:sp>
+      <p:sp>
+        <p:nvSpPr>
+          <p:cNvPr id="9" name="文本框 8">
+            <a:extLst>
+              <a:ext uri="{FF2B5EF4-FFF2-40B4-BE49-F238E27FC236}">
+                <a16:creationId xmlns:a16="http://schemas.microsoft.com/office/drawing/2014/main" id="{09E40F03-2D56-AABB-69CD-5648D0251A81}"/>
+              </a:ext>
+            </a:extLst>
+          </p:cNvPr>
+          <p:cNvSpPr txBox="1"/>
+          <p:nvPr/>
+        </p:nvSpPr>
+        <p:spPr>
+          <a:xfrm>
+            <a:off x="7259818" y="3250039"/>
+            <a:ext cx="4178460" cy="3139321"/>
+          </a:xfrm>
+          <a:prstGeom prst="rect">
+            <a:avLst/>
+          </a:prstGeom>
+          <a:noFill/>
+        </p:spPr>
+        <p:txBody>
+          <a:bodyPr wrap="square">
+            <a:spAutoFit/>
+          </a:bodyPr>
+          <a:lstStyle/>
+          <a:p>
+            <a:r>
+              <a:rPr lang="en-US" altLang="zh-CN" dirty="0">
+                <a:latin typeface="Consolas" panose="020B0609020204030204" pitchFamily="49" charset="0"/>
+              </a:rPr>
+              <a:t>The correlation corresponding to the color is displayed in the bar on the right. The positive and negative values represent positive and negative correlations respectively. The closer the value is to 1 and -1, the greater the correlation. It can be seen that there is no absolute relationship between commodity price and weight.</a:t>
+            </a:r>
+            <a:endParaRPr lang="en-US" altLang="zh-CN" b="0" dirty="0">
+              <a:effectLst/>
+              <a:latin typeface="Consolas" panose="020B0609020204030204" pitchFamily="49" charset="0"/>
+            </a:endParaRPr>
+          </a:p>
+        </p:txBody>
+      </p:sp>
+      <p:pic>
+        <p:nvPicPr>
+          <p:cNvPr id="4" name="图片 3">
+            <a:extLst>
+              <a:ext uri="{FF2B5EF4-FFF2-40B4-BE49-F238E27FC236}">
+                <a16:creationId xmlns:a16="http://schemas.microsoft.com/office/drawing/2014/main" id="{D56F8B3A-9428-D30A-679A-EB57B9ACDE5B}"/>
+              </a:ext>
+            </a:extLst>
+          </p:cNvPr>
+          <p:cNvPicPr>
+            <a:picLocks noChangeAspect="1"/>
+          </p:cNvPicPr>
+          <p:nvPr/>
+        </p:nvPicPr>
+        <p:blipFill>
+          <a:blip r:embed="rId3"/>
+          <a:stretch>
+            <a:fillRect/>
+          </a:stretch>
+        </p:blipFill>
+        <p:spPr>
+          <a:xfrm>
+            <a:off x="121895" y="1267931"/>
+            <a:ext cx="6705649" cy="5286414"/>
+          </a:xfrm>
+          <a:prstGeom prst="rect">
+            <a:avLst/>
+          </a:prstGeom>
+        </p:spPr>
+      </p:pic>
+      <p:sp>
+        <p:nvSpPr>
+          <p:cNvPr id="5" name="矩形 4">
+            <a:extLst>
+              <a:ext uri="{FF2B5EF4-FFF2-40B4-BE49-F238E27FC236}">
+                <a16:creationId xmlns:a16="http://schemas.microsoft.com/office/drawing/2014/main" id="{038F40CD-8C17-EB55-0785-9CA722043178}"/>
+              </a:ext>
+            </a:extLst>
+          </p:cNvPr>
+          <p:cNvSpPr/>
+          <p:nvPr/>
+        </p:nvSpPr>
+        <p:spPr>
+          <a:xfrm>
+            <a:off x="7504833" y="3142275"/>
+            <a:ext cx="1002783" cy="45719"/>
+          </a:xfrm>
+          <a:prstGeom prst="rect">
+            <a:avLst/>
+          </a:prstGeom>
+          <a:solidFill>
+            <a:srgbClr val="1C9494"/>
+          </a:solidFill>
+          <a:ln>
+            <a:noFill/>
+          </a:ln>
+        </p:spPr>
+        <p:style>
+          <a:lnRef idx="2">
+            <a:schemeClr val="accent1">
+              <a:shade val="50000"/>
+            </a:schemeClr>
+          </a:lnRef>
+          <a:fillRef idx="1">
+            <a:schemeClr val="accent1"/>
+          </a:fillRef>
+          <a:effectRef idx="0">
+            <a:schemeClr val="accent1"/>
+          </a:effectRef>
+          <a:fontRef idx="minor">
+            <a:schemeClr val="lt1"/>
+          </a:fontRef>
+        </p:style>
+        <p:txBody>
+          <a:bodyPr rtlCol="0" anchor="ctr"/>
+          <a:lstStyle/>
+          <a:p>
+            <a:pPr algn="ctr"/>
+            <a:endParaRPr lang="zh-CN" altLang="en-US">
+              <a:cs typeface="+mn-ea"/>
+              <a:sym typeface="+mn-lt"/>
+            </a:endParaRPr>
+          </a:p>
+        </p:txBody>
+      </p:sp>
+    </p:spTree>
+    <p:extLst>
+      <p:ext uri="{BB962C8B-B14F-4D97-AF65-F5344CB8AC3E}">
+        <p14:creationId xmlns:p14="http://schemas.microsoft.com/office/powerpoint/2010/main" val="1535443141"/>
+      </p:ext>
+    </p:extLst>
+  </p:cSld>
+  <p:clrMapOvr>
+    <a:masterClrMapping/>
+  </p:clrMapOvr>
+  <mc:AlternateContent xmlns:mc="http://schemas.openxmlformats.org/markup-compatibility/2006" xmlns:p14="http://schemas.microsoft.com/office/powerpoint/2010/main">
+    <mc:Choice Requires="p14">
+      <p:transition spd="slow" p14:dur="1500" advTm="0">
+        <p:random/>
+      </p:transition>
+    </mc:Choice>
+    <mc:Fallback xmlns="">
+      <p:transition spd="slow" advTm="0">
+        <p:random/>
+      </p:transition>
+    </mc:Fallback>
+  </mc:AlternateContent>
+  <p:timing>
+    <p:tnLst>
+      <p:par>
+        <p:cTn id="1" dur="indefinite" restart="never" nodeType="tmRoot">
+          <p:childTnLst>
+            <p:seq concurrent="1" nextAc="seek">
+              <p:cTn id="2" dur="indefinite" nodeType="mainSeq">
+                <p:childTnLst>
+                  <p:par>
+                    <p:cTn id="3" fill="hold">
+                      <p:stCondLst>
+                        <p:cond delay="indefinite"/>
+                        <p:cond evt="onBegin" delay="0">
+                          <p:tn val="2"/>
+                        </p:cond>
+                      </p:stCondLst>
+                      <p:childTnLst>
+                        <p:par>
+                          <p:cTn id="4" fill="hold">
+                            <p:stCondLst>
+                              <p:cond delay="0"/>
+                            </p:stCondLst>
+                            <p:childTnLst>
+                              <p:par>
+                                <p:cTn id="5" presetID="22" presetClass="entr" presetSubtype="8" fill="hold" grpId="0" nodeType="afterEffect">
+                                  <p:stCondLst>
+                                    <p:cond delay="0"/>
+                                  </p:stCondLst>
+                                  <p:childTnLst>
+                                    <p:set>
+                                      <p:cBhvr>
+                                        <p:cTn id="6" dur="1" fill="hold">
+                                          <p:stCondLst>
+                                            <p:cond delay="0"/>
+                                          </p:stCondLst>
+                                        </p:cTn>
+                                        <p:tgtEl>
+                                          <p:spTgt spid="29"/>
+                                        </p:tgtEl>
+                                        <p:attrNameLst>
+                                          <p:attrName>style.visibility</p:attrName>
+                                        </p:attrNameLst>
+                                      </p:cBhvr>
+                                      <p:to>
+                                        <p:strVal val="visible"/>
+                                      </p:to>
+                                    </p:set>
+                                    <p:animEffect transition="in" filter="wipe(left)">
+                                      <p:cBhvr>
+                                        <p:cTn id="7" dur="500"/>
+                                        <p:tgtEl>
+                                          <p:spTgt spid="29"/>
+                                        </p:tgtEl>
+                                      </p:cBhvr>
+                                    </p:animEffect>
+                                  </p:childTnLst>
+                                </p:cTn>
+                              </p:par>
+                            </p:childTnLst>
+                          </p:cTn>
+                        </p:par>
+                        <p:par>
+                          <p:cTn id="8" fill="hold">
+                            <p:stCondLst>
+                              <p:cond delay="500"/>
+                            </p:stCondLst>
+                            <p:childTnLst>
+                              <p:par>
+                                <p:cTn id="9" presetID="10" presetClass="entr" presetSubtype="0" fill="hold" grpId="0" nodeType="afterEffect">
+                                  <p:stCondLst>
+                                    <p:cond delay="0"/>
+                                  </p:stCondLst>
+                                  <p:childTnLst>
+                                    <p:set>
+                                      <p:cBhvr>
+                                        <p:cTn id="10" dur="1" fill="hold">
+                                          <p:stCondLst>
+                                            <p:cond delay="0"/>
+                                          </p:stCondLst>
+                                        </p:cTn>
+                                        <p:tgtEl>
+                                          <p:spTgt spid="14"/>
+                                        </p:tgtEl>
+                                        <p:attrNameLst>
+                                          <p:attrName>style.visibility</p:attrName>
+                                        </p:attrNameLst>
+                                      </p:cBhvr>
+                                      <p:to>
+                                        <p:strVal val="visible"/>
+                                      </p:to>
+                                    </p:set>
+                                    <p:animEffect transition="in" filter="fade">
+                                      <p:cBhvr>
+                                        <p:cTn id="11" dur="500"/>
+                                        <p:tgtEl>
+                                          <p:spTgt spid="14"/>
+                                        </p:tgtEl>
+                                      </p:cBhvr>
+                                    </p:animEffect>
+                                  </p:childTnLst>
+                                </p:cTn>
+                              </p:par>
+                              <p:par>
+                                <p:cTn id="12" presetID="22" presetClass="entr" presetSubtype="8" fill="hold" grpId="0" nodeType="withEffect">
+                                  <p:stCondLst>
+                                    <p:cond delay="0"/>
+                                  </p:stCondLst>
+                                  <p:childTnLst>
+                                    <p:set>
+                                      <p:cBhvr>
+                                        <p:cTn id="13" dur="1" fill="hold">
+                                          <p:stCondLst>
+                                            <p:cond delay="0"/>
+                                          </p:stCondLst>
+                                        </p:cTn>
+                                        <p:tgtEl>
+                                          <p:spTgt spid="5"/>
+                                        </p:tgtEl>
+                                        <p:attrNameLst>
+                                          <p:attrName>style.visibility</p:attrName>
+                                        </p:attrNameLst>
+                                      </p:cBhvr>
+                                      <p:to>
+                                        <p:strVal val="visible"/>
+                                      </p:to>
+                                    </p:set>
+                                    <p:animEffect transition="in" filter="wipe(left)">
+                                      <p:cBhvr>
+                                        <p:cTn id="14" dur="500"/>
+                                        <p:tgtEl>
+                                          <p:spTgt spid="5"/>
+                                        </p:tgtEl>
+                                      </p:cBhvr>
+                                    </p:animEffect>
+                                  </p:childTnLst>
+                                </p:cTn>
+                              </p:par>
+                            </p:childTnLst>
+                          </p:cTn>
+                        </p:par>
+                      </p:childTnLst>
+                    </p:cTn>
+                  </p:par>
+                </p:childTnLst>
+              </p:cTn>
+              <p:prevCondLst>
+                <p:cond evt="onPrev" delay="0">
+                  <p:tgtEl>
+                    <p:sldTgt/>
+                  </p:tgtEl>
+                </p:cond>
+              </p:prevCondLst>
+              <p:nextCondLst>
+                <p:cond evt="onNext" delay="0">
+                  <p:tgtEl>
+                    <p:sldTgt/>
+                  </p:tgtEl>
+                </p:cond>
+              </p:nextCondLst>
+            </p:seq>
+          </p:childTnLst>
+        </p:cTn>
+      </p:par>
+    </p:tnLst>
+    <p:bldLst>
+      <p:bldP spid="29" grpId="0" animBg="1"/>
+      <p:bldP spid="14" grpId="0" bldLvl="0" animBg="1"/>
+      <p:bldP spid="5" grpId="0" animBg="1"/>
+    </p:bldLst>
+  </p:timing>
+</p:sld>
+</file>
+
+<file path=ppt/slides/slide15.xml><?xml version="1.0" encoding="utf-8"?>
+<p:sld xmlns:a="http://schemas.openxmlformats.org/drawingml/2006/main" xmlns:r="http://schemas.openxmlformats.org/officeDocument/2006/relationships" xmlns:p="http://schemas.openxmlformats.org/presentationml/2006/main">
+  <p:cSld>
+    <p:spTree>
+      <p:nvGrpSpPr>
+        <p:cNvPr id="1" name=""/>
+        <p:cNvGrpSpPr/>
+        <p:nvPr/>
+      </p:nvGrpSpPr>
+      <p:grpSpPr>
+        <a:xfrm>
+          <a:off x="0" y="0"/>
+          <a:ext cx="0" cy="0"/>
+          <a:chOff x="0" y="0"/>
+          <a:chExt cx="0" cy="0"/>
+        </a:xfrm>
+      </p:grpSpPr>
+      <p:sp>
+        <p:nvSpPr>
+          <p:cNvPr id="29" name="矩形 28"/>
+          <p:cNvSpPr/>
+          <p:nvPr/>
+        </p:nvSpPr>
+        <p:spPr>
+          <a:xfrm>
+            <a:off x="5215403" y="4272806"/>
+            <a:ext cx="1002783" cy="45719"/>
+          </a:xfrm>
+          <a:prstGeom prst="rect">
+            <a:avLst/>
+          </a:prstGeom>
+          <a:solidFill>
+            <a:srgbClr val="1C9494"/>
+          </a:solidFill>
+          <a:ln>
+            <a:noFill/>
+          </a:ln>
+        </p:spPr>
+        <p:style>
+          <a:lnRef idx="2">
+            <a:schemeClr val="accent1">
+              <a:shade val="50000"/>
+            </a:schemeClr>
+          </a:lnRef>
+          <a:fillRef idx="1">
+            <a:schemeClr val="accent1"/>
+          </a:fillRef>
+          <a:effectRef idx="0">
+            <a:schemeClr val="accent1"/>
+          </a:effectRef>
+          <a:fontRef idx="minor">
+            <a:schemeClr val="lt1"/>
+          </a:fontRef>
+        </p:style>
+        <p:txBody>
+          <a:bodyPr rtlCol="0" anchor="ctr"/>
+          <a:lstStyle/>
+          <a:p>
+            <a:pPr algn="ctr"/>
+            <a:endParaRPr lang="zh-CN" altLang="en-US">
+              <a:cs typeface="+mn-ea"/>
+              <a:sym typeface="+mn-lt"/>
+            </a:endParaRPr>
+          </a:p>
+        </p:txBody>
+      </p:sp>
+      <p:sp>
+        <p:nvSpPr>
+          <p:cNvPr id="13" name="TextBox 28">
+            <a:extLst>
+              <a:ext uri="{FF2B5EF4-FFF2-40B4-BE49-F238E27FC236}">
+                <a16:creationId xmlns:a16="http://schemas.microsoft.com/office/drawing/2014/main" id="{0D90288A-4817-27E9-103F-FD459454DA6C}"/>
+              </a:ext>
+            </a:extLst>
+          </p:cNvPr>
+          <p:cNvSpPr txBox="1"/>
+          <p:nvPr/>
+        </p:nvSpPr>
+        <p:spPr>
+          <a:xfrm>
+            <a:off x="803599" y="468640"/>
+            <a:ext cx="6456219" cy="2677656"/>
+          </a:xfrm>
+          <a:prstGeom prst="rect">
+            <a:avLst/>
+          </a:prstGeom>
+          <a:noFill/>
+        </p:spPr>
+        <p:txBody>
+          <a:bodyPr wrap="square" rtlCol="0">
+            <a:spAutoFit/>
+          </a:bodyPr>
+          <a:lstStyle/>
+          <a:p>
+            <a:pPr algn="r">
+              <a:defRPr/>
+            </a:pPr>
+            <a:r>
+              <a:rPr lang="en-US" altLang="zh-CN" sz="2800" b="1" dirty="0">
+                <a:solidFill>
+                  <a:srgbClr val="000000">
+                    <a:lumMod val="65000"/>
+                    <a:lumOff val="35000"/>
+                  </a:srgbClr>
+                </a:solidFill>
+                <a:latin typeface="Agency FB" panose="020B0503020202020204" pitchFamily="34" charset="0"/>
+                <a:ea typeface="微软雅黑"/>
+                <a:cs typeface="+mn-ea"/>
+              </a:rPr>
+              <a:t>Transportation mode, product cost and quantity</a:t>
+            </a:r>
+          </a:p>
+          <a:p>
+            <a:pPr algn="r">
+              <a:defRPr/>
+            </a:pPr>
+            <a:endParaRPr lang="en-US" altLang="zh-CN" sz="2800" b="1" dirty="0">
+              <a:solidFill>
+                <a:srgbClr val="000000">
+                  <a:lumMod val="65000"/>
+                  <a:lumOff val="35000"/>
+                </a:srgbClr>
+              </a:solidFill>
+              <a:latin typeface="Agency FB" panose="020B0503020202020204" pitchFamily="34" charset="0"/>
+              <a:ea typeface="微软雅黑"/>
+              <a:cs typeface="+mn-ea"/>
+            </a:endParaRPr>
+          </a:p>
+          <a:p>
+            <a:pPr algn="r">
+              <a:defRPr/>
+            </a:pPr>
+            <a:endParaRPr lang="en-US" altLang="zh-CN" sz="2800" b="1" dirty="0">
+              <a:solidFill>
+                <a:srgbClr val="000000">
+                  <a:lumMod val="65000"/>
+                  <a:lumOff val="35000"/>
+                </a:srgbClr>
+              </a:solidFill>
+              <a:latin typeface="Agency FB" panose="020B0503020202020204" pitchFamily="34" charset="0"/>
+              <a:ea typeface="微软雅黑"/>
+              <a:cs typeface="+mn-ea"/>
+            </a:endParaRPr>
+          </a:p>
+          <a:p>
+            <a:pPr algn="r">
+              <a:defRPr/>
+            </a:pPr>
+            <a:endParaRPr lang="en-US" altLang="zh-CN" sz="2800" b="1" dirty="0">
+              <a:solidFill>
+                <a:srgbClr val="000000">
+                  <a:lumMod val="65000"/>
+                  <a:lumOff val="35000"/>
+                </a:srgbClr>
+              </a:solidFill>
+              <a:latin typeface="Agency FB" panose="020B0503020202020204" pitchFamily="34" charset="0"/>
+              <a:ea typeface="微软雅黑"/>
+              <a:cs typeface="+mn-ea"/>
+            </a:endParaRPr>
+          </a:p>
+          <a:p>
+            <a:pPr algn="r">
+              <a:defRPr/>
+            </a:pPr>
+            <a:endParaRPr lang="en-US" altLang="zh-CN" sz="2800" b="1" dirty="0">
+              <a:solidFill>
+                <a:srgbClr val="000000">
+                  <a:lumMod val="65000"/>
+                  <a:lumOff val="35000"/>
+                </a:srgbClr>
+              </a:solidFill>
+              <a:latin typeface="Agency FB" panose="020B0503020202020204" pitchFamily="34" charset="0"/>
+              <a:ea typeface="微软雅黑"/>
+              <a:cs typeface="+mn-ea"/>
+            </a:endParaRPr>
+          </a:p>
+          <a:p>
+            <a:pPr marL="0" marR="0" lvl="0" indent="0" algn="r" defTabSz="914400" rtl="0" eaLnBrk="1" fontAlgn="auto" latinLnBrk="0" hangingPunct="1">
+              <a:lnSpc>
+                <a:spcPct val="100000"/>
+              </a:lnSpc>
+              <a:spcBef>
+                <a:spcPts val="0"/>
+              </a:spcBef>
+              <a:spcAft>
+                <a:spcPts val="0"/>
+              </a:spcAft>
+              <a:buClrTx/>
+              <a:buSzTx/>
+              <a:buFontTx/>
+              <a:buNone/>
+              <a:tabLst/>
+              <a:defRPr/>
+            </a:pPr>
+            <a:endParaRPr kumimoji="0" lang="id-ID" sz="2800" b="1" i="0" u="none" strike="noStrike" kern="1200" cap="none" spc="0" normalizeH="0" baseline="0" noProof="0" dirty="0">
+              <a:ln>
+                <a:noFill/>
+              </a:ln>
+              <a:solidFill>
+                <a:srgbClr val="000000">
+                  <a:lumMod val="65000"/>
+                  <a:lumOff val="35000"/>
+                </a:srgbClr>
+              </a:solidFill>
+              <a:effectLst/>
+              <a:uLnTx/>
+              <a:uFillTx/>
+              <a:latin typeface="Agency FB" panose="020B0503020202020204" pitchFamily="34" charset="0"/>
+              <a:ea typeface="微软雅黑"/>
+              <a:cs typeface="+mn-ea"/>
+              <a:sym typeface="+mn-lt"/>
+            </a:endParaRPr>
+          </a:p>
+        </p:txBody>
+      </p:sp>
+      <p:sp>
+        <p:nvSpPr>
+          <p:cNvPr id="14" name="矩形 13">
+            <a:extLst>
+              <a:ext uri="{FF2B5EF4-FFF2-40B4-BE49-F238E27FC236}">
+                <a16:creationId xmlns:a16="http://schemas.microsoft.com/office/drawing/2014/main" id="{5AEB6508-FE28-B12C-C5E3-35AC3B9E9B60}"/>
+              </a:ext>
+            </a:extLst>
+          </p:cNvPr>
+          <p:cNvSpPr/>
+          <p:nvPr/>
+        </p:nvSpPr>
+        <p:spPr>
+          <a:xfrm>
+            <a:off x="1011034" y="468640"/>
+            <a:ext cx="113573" cy="591328"/>
+          </a:xfrm>
+          <a:prstGeom prst="rect">
+            <a:avLst/>
+          </a:prstGeom>
+          <a:solidFill>
+            <a:srgbClr val="156F6D"/>
+          </a:solidFill>
+          <a:ln>
+            <a:noFill/>
+          </a:ln>
+        </p:spPr>
+        <p:style>
+          <a:lnRef idx="2">
+            <a:schemeClr val="accent1">
+              <a:shade val="50000"/>
+            </a:schemeClr>
+          </a:lnRef>
+          <a:fillRef idx="1">
+            <a:schemeClr val="accent1"/>
+          </a:fillRef>
+          <a:effectRef idx="0">
+            <a:schemeClr val="accent1"/>
+          </a:effectRef>
+          <a:fontRef idx="minor">
+            <a:schemeClr val="lt1"/>
+          </a:fontRef>
+        </p:style>
+        <p:txBody>
+          <a:bodyPr rtlCol="0" anchor="ctr"/>
+          <a:lstStyle/>
+          <a:p>
+            <a:pPr marL="0" marR="0" lvl="0" indent="0" algn="ctr" defTabSz="914400" rtl="0" eaLnBrk="1" fontAlgn="auto" latinLnBrk="0" hangingPunct="1">
+              <a:lnSpc>
+                <a:spcPct val="100000"/>
+              </a:lnSpc>
+              <a:spcBef>
+                <a:spcPts val="0"/>
+              </a:spcBef>
+              <a:spcAft>
+                <a:spcPts val="0"/>
+              </a:spcAft>
+              <a:buClrTx/>
+              <a:buSzTx/>
+              <a:buFontTx/>
+              <a:buNone/>
+              <a:tabLst/>
+              <a:defRPr/>
+            </a:pPr>
+            <a:endParaRPr kumimoji="0" lang="zh-CN" altLang="en-US" sz="1800" b="0" i="0" u="none" strike="noStrike" kern="1200" cap="none" spc="0" normalizeH="0" baseline="0" noProof="0">
+              <a:ln>
+                <a:noFill/>
+              </a:ln>
+              <a:solidFill>
+                <a:srgbClr val="FFFFFF"/>
+              </a:solidFill>
+              <a:effectLst/>
+              <a:uLnTx/>
+              <a:uFillTx/>
+              <a:latin typeface="Arial"/>
+              <a:ea typeface="微软雅黑"/>
+              <a:cs typeface="+mn-ea"/>
+              <a:sym typeface="+mn-lt"/>
+            </a:endParaRPr>
+          </a:p>
+        </p:txBody>
+      </p:sp>
+      <p:sp>
+        <p:nvSpPr>
+          <p:cNvPr id="9" name="文本框 8">
+            <a:extLst>
+              <a:ext uri="{FF2B5EF4-FFF2-40B4-BE49-F238E27FC236}">
+                <a16:creationId xmlns:a16="http://schemas.microsoft.com/office/drawing/2014/main" id="{09E40F03-2D56-AABB-69CD-5648D0251A81}"/>
+              </a:ext>
+            </a:extLst>
+          </p:cNvPr>
+          <p:cNvSpPr txBox="1"/>
+          <p:nvPr/>
+        </p:nvSpPr>
+        <p:spPr>
+          <a:xfrm>
+            <a:off x="7259817" y="3250039"/>
+            <a:ext cx="4355833" cy="3139321"/>
+          </a:xfrm>
+          <a:prstGeom prst="rect">
+            <a:avLst/>
+          </a:prstGeom>
+          <a:noFill/>
+        </p:spPr>
+        <p:txBody>
+          <a:bodyPr wrap="square">
+            <a:spAutoFit/>
+          </a:bodyPr>
+          <a:lstStyle/>
+          <a:p>
+            <a:r>
+              <a:rPr lang="en-US" altLang="zh-CN" dirty="0">
+                <a:latin typeface="Consolas" panose="020B0609020204030204" pitchFamily="49" charset="0"/>
+              </a:rPr>
+              <a:t>Each color represents a different mode of transportation, the horizontal axis represents the cost of the product, and the vertical axis represents the quantity. It can be seen that regardless of the cost of the product, most of them choose to ship by ship, and the proportions of the other two modes of transportation are similar.</a:t>
+            </a:r>
+            <a:endParaRPr lang="en-US" altLang="zh-CN" b="0" dirty="0">
+              <a:effectLst/>
+              <a:latin typeface="Consolas" panose="020B0609020204030204" pitchFamily="49" charset="0"/>
+            </a:endParaRPr>
+          </a:p>
+        </p:txBody>
+      </p:sp>
+      <p:pic>
+        <p:nvPicPr>
+          <p:cNvPr id="3" name="图片 2">
+            <a:extLst>
+              <a:ext uri="{FF2B5EF4-FFF2-40B4-BE49-F238E27FC236}">
+                <a16:creationId xmlns:a16="http://schemas.microsoft.com/office/drawing/2014/main" id="{51AAB75D-2B56-B8A7-F46A-9B872949BF71}"/>
+              </a:ext>
+            </a:extLst>
+          </p:cNvPr>
+          <p:cNvPicPr>
+            <a:picLocks noChangeAspect="1"/>
+          </p:cNvPicPr>
+          <p:nvPr/>
+        </p:nvPicPr>
+        <p:blipFill>
+          <a:blip r:embed="rId3"/>
+          <a:stretch>
+            <a:fillRect/>
+          </a:stretch>
+        </p:blipFill>
+        <p:spPr>
+          <a:xfrm>
+            <a:off x="156618" y="2015820"/>
+            <a:ext cx="6791375" cy="4267231"/>
+          </a:xfrm>
+          <a:prstGeom prst="rect">
+            <a:avLst/>
+          </a:prstGeom>
+        </p:spPr>
+      </p:pic>
+      <p:sp>
+        <p:nvSpPr>
+          <p:cNvPr id="5" name="矩形 4">
+            <a:extLst>
+              <a:ext uri="{FF2B5EF4-FFF2-40B4-BE49-F238E27FC236}">
+                <a16:creationId xmlns:a16="http://schemas.microsoft.com/office/drawing/2014/main" id="{7C17C9D5-2ADF-EEA2-0511-3584755F322B}"/>
+              </a:ext>
+            </a:extLst>
+          </p:cNvPr>
+          <p:cNvSpPr/>
+          <p:nvPr/>
+        </p:nvSpPr>
+        <p:spPr>
+          <a:xfrm>
+            <a:off x="7405407" y="3142121"/>
+            <a:ext cx="1002783" cy="45719"/>
+          </a:xfrm>
+          <a:prstGeom prst="rect">
+            <a:avLst/>
+          </a:prstGeom>
+          <a:solidFill>
+            <a:srgbClr val="1C9494"/>
+          </a:solidFill>
+          <a:ln>
+            <a:noFill/>
+          </a:ln>
+        </p:spPr>
+        <p:style>
+          <a:lnRef idx="2">
+            <a:schemeClr val="accent1">
+              <a:shade val="50000"/>
+            </a:schemeClr>
+          </a:lnRef>
+          <a:fillRef idx="1">
+            <a:schemeClr val="accent1"/>
+          </a:fillRef>
+          <a:effectRef idx="0">
+            <a:schemeClr val="accent1"/>
+          </a:effectRef>
+          <a:fontRef idx="minor">
+            <a:schemeClr val="lt1"/>
+          </a:fontRef>
+        </p:style>
+        <p:txBody>
+          <a:bodyPr rtlCol="0" anchor="ctr"/>
+          <a:lstStyle/>
+          <a:p>
+            <a:pPr algn="ctr"/>
+            <a:endParaRPr lang="zh-CN" altLang="en-US">
+              <a:cs typeface="+mn-ea"/>
+              <a:sym typeface="+mn-lt"/>
+            </a:endParaRPr>
+          </a:p>
+        </p:txBody>
+      </p:sp>
+    </p:spTree>
+    <p:extLst>
+      <p:ext uri="{BB962C8B-B14F-4D97-AF65-F5344CB8AC3E}">
+        <p14:creationId xmlns:p14="http://schemas.microsoft.com/office/powerpoint/2010/main" val="3564215523"/>
+      </p:ext>
+    </p:extLst>
+  </p:cSld>
+  <p:clrMapOvr>
+    <a:masterClrMapping/>
+  </p:clrMapOvr>
+  <mc:AlternateContent xmlns:mc="http://schemas.openxmlformats.org/markup-compatibility/2006" xmlns:p14="http://schemas.microsoft.com/office/powerpoint/2010/main">
+    <mc:Choice Requires="p14">
+      <p:transition spd="slow" p14:dur="1500" advTm="0">
+        <p:random/>
+      </p:transition>
+    </mc:Choice>
+    <mc:Fallback xmlns="">
+      <p:transition spd="slow" advTm="0">
+        <p:random/>
+      </p:transition>
+    </mc:Fallback>
+  </mc:AlternateContent>
+  <p:timing>
+    <p:tnLst>
+      <p:par>
+        <p:cTn id="1" dur="indefinite" restart="never" nodeType="tmRoot">
+          <p:childTnLst>
+            <p:seq concurrent="1" nextAc="seek">
+              <p:cTn id="2" dur="indefinite" nodeType="mainSeq">
+                <p:childTnLst>
+                  <p:par>
+                    <p:cTn id="3" fill="hold">
+                      <p:stCondLst>
+                        <p:cond delay="indefinite"/>
+                        <p:cond evt="onBegin" delay="0">
+                          <p:tn val="2"/>
+                        </p:cond>
+                      </p:stCondLst>
+                      <p:childTnLst>
+                        <p:par>
+                          <p:cTn id="4" fill="hold">
+                            <p:stCondLst>
+                              <p:cond delay="0"/>
+                            </p:stCondLst>
+                            <p:childTnLst>
+                              <p:par>
+                                <p:cTn id="5" presetID="22" presetClass="entr" presetSubtype="8" fill="hold" grpId="0" nodeType="afterEffect">
+                                  <p:stCondLst>
+                                    <p:cond delay="0"/>
+                                  </p:stCondLst>
+                                  <p:childTnLst>
+                                    <p:set>
+                                      <p:cBhvr>
+                                        <p:cTn id="6" dur="1" fill="hold">
+                                          <p:stCondLst>
+                                            <p:cond delay="0"/>
+                                          </p:stCondLst>
+                                        </p:cTn>
+                                        <p:tgtEl>
+                                          <p:spTgt spid="29"/>
+                                        </p:tgtEl>
+                                        <p:attrNameLst>
+                                          <p:attrName>style.visibility</p:attrName>
+                                        </p:attrNameLst>
+                                      </p:cBhvr>
+                                      <p:to>
+                                        <p:strVal val="visible"/>
+                                      </p:to>
+                                    </p:set>
+                                    <p:animEffect transition="in" filter="wipe(left)">
+                                      <p:cBhvr>
+                                        <p:cTn id="7" dur="500"/>
+                                        <p:tgtEl>
+                                          <p:spTgt spid="29"/>
+                                        </p:tgtEl>
+                                      </p:cBhvr>
+                                    </p:animEffect>
+                                  </p:childTnLst>
+                                </p:cTn>
+                              </p:par>
+                            </p:childTnLst>
+                          </p:cTn>
+                        </p:par>
+                        <p:par>
+                          <p:cTn id="8" fill="hold">
+                            <p:stCondLst>
+                              <p:cond delay="500"/>
+                            </p:stCondLst>
+                            <p:childTnLst>
+                              <p:par>
+                                <p:cTn id="9" presetID="10" presetClass="entr" presetSubtype="0" fill="hold" grpId="0" nodeType="afterEffect">
+                                  <p:stCondLst>
+                                    <p:cond delay="0"/>
+                                  </p:stCondLst>
+                                  <p:childTnLst>
+                                    <p:set>
+                                      <p:cBhvr>
+                                        <p:cTn id="10" dur="1" fill="hold">
+                                          <p:stCondLst>
+                                            <p:cond delay="0"/>
+                                          </p:stCondLst>
+                                        </p:cTn>
+                                        <p:tgtEl>
+                                          <p:spTgt spid="14"/>
+                                        </p:tgtEl>
+                                        <p:attrNameLst>
+                                          <p:attrName>style.visibility</p:attrName>
+                                        </p:attrNameLst>
+                                      </p:cBhvr>
+                                      <p:to>
+                                        <p:strVal val="visible"/>
+                                      </p:to>
+                                    </p:set>
+                                    <p:animEffect transition="in" filter="fade">
+                                      <p:cBhvr>
+                                        <p:cTn id="11" dur="500"/>
+                                        <p:tgtEl>
+                                          <p:spTgt spid="14"/>
+                                        </p:tgtEl>
+                                      </p:cBhvr>
+                                    </p:animEffect>
+                                  </p:childTnLst>
+                                </p:cTn>
+                              </p:par>
+                              <p:par>
+                                <p:cTn id="12" presetID="22" presetClass="entr" presetSubtype="8" fill="hold" grpId="0" nodeType="withEffect">
+                                  <p:stCondLst>
+                                    <p:cond delay="0"/>
+                                  </p:stCondLst>
+                                  <p:childTnLst>
+                                    <p:set>
+                                      <p:cBhvr>
+                                        <p:cTn id="13" dur="1" fill="hold">
+                                          <p:stCondLst>
+                                            <p:cond delay="0"/>
+                                          </p:stCondLst>
+                                        </p:cTn>
+                                        <p:tgtEl>
+                                          <p:spTgt spid="5"/>
+                                        </p:tgtEl>
+                                        <p:attrNameLst>
+                                          <p:attrName>style.visibility</p:attrName>
+                                        </p:attrNameLst>
+                                      </p:cBhvr>
+                                      <p:to>
+                                        <p:strVal val="visible"/>
+                                      </p:to>
+                                    </p:set>
+                                    <p:animEffect transition="in" filter="wipe(left)">
+                                      <p:cBhvr>
+                                        <p:cTn id="14" dur="500"/>
+                                        <p:tgtEl>
+                                          <p:spTgt spid="5"/>
+                                        </p:tgtEl>
+                                      </p:cBhvr>
+                                    </p:animEffect>
+                                  </p:childTnLst>
+                                </p:cTn>
+                              </p:par>
+                            </p:childTnLst>
+                          </p:cTn>
+                        </p:par>
+                      </p:childTnLst>
+                    </p:cTn>
+                  </p:par>
+                </p:childTnLst>
+              </p:cTn>
+              <p:prevCondLst>
+                <p:cond evt="onPrev" delay="0">
+                  <p:tgtEl>
+                    <p:sldTgt/>
+                  </p:tgtEl>
+                </p:cond>
+              </p:prevCondLst>
+              <p:nextCondLst>
+                <p:cond evt="onNext" delay="0">
+                  <p:tgtEl>
+                    <p:sldTgt/>
+                  </p:tgtEl>
+                </p:cond>
+              </p:nextCondLst>
+            </p:seq>
+          </p:childTnLst>
+        </p:cTn>
+      </p:par>
+    </p:tnLst>
+    <p:bldLst>
+      <p:bldP spid="29" grpId="0" animBg="1"/>
+      <p:bldP spid="14" grpId="0" bldLvl="0" animBg="1"/>
+      <p:bldP spid="5" grpId="0" animBg="1"/>
+    </p:bldLst>
+  </p:timing>
+</p:sld>
+</file>
+
+<file path=ppt/slides/slide16.xml><?xml version="1.0" encoding="utf-8"?>
+<p:sld xmlns:a="http://schemas.openxmlformats.org/drawingml/2006/main" xmlns:r="http://schemas.openxmlformats.org/officeDocument/2006/relationships" xmlns:p="http://schemas.openxmlformats.org/presentationml/2006/main">
+  <p:cSld>
+    <p:spTree>
+      <p:nvGrpSpPr>
+        <p:cNvPr id="1" name=""/>
+        <p:cNvGrpSpPr/>
+        <p:nvPr/>
+      </p:nvGrpSpPr>
+      <p:grpSpPr>
+        <a:xfrm>
+          <a:off x="0" y="0"/>
+          <a:ext cx="0" cy="0"/>
+          <a:chOff x="0" y="0"/>
+          <a:chExt cx="0" cy="0"/>
+        </a:xfrm>
+      </p:grpSpPr>
+      <p:sp>
+        <p:nvSpPr>
+          <p:cNvPr id="29" name="矩形 28"/>
+          <p:cNvSpPr/>
+          <p:nvPr/>
+        </p:nvSpPr>
+        <p:spPr>
+          <a:xfrm>
+            <a:off x="5215403" y="4272806"/>
+            <a:ext cx="1002783" cy="45719"/>
+          </a:xfrm>
+          <a:prstGeom prst="rect">
+            <a:avLst/>
+          </a:prstGeom>
+          <a:solidFill>
+            <a:srgbClr val="1C9494"/>
+          </a:solidFill>
+          <a:ln>
+            <a:noFill/>
+          </a:ln>
+        </p:spPr>
+        <p:style>
+          <a:lnRef idx="2">
+            <a:schemeClr val="accent1">
+              <a:shade val="50000"/>
+            </a:schemeClr>
+          </a:lnRef>
+          <a:fillRef idx="1">
+            <a:schemeClr val="accent1"/>
+          </a:fillRef>
+          <a:effectRef idx="0">
+            <a:schemeClr val="accent1"/>
+          </a:effectRef>
+          <a:fontRef idx="minor">
+            <a:schemeClr val="lt1"/>
+          </a:fontRef>
+        </p:style>
+        <p:txBody>
+          <a:bodyPr rtlCol="0" anchor="ctr"/>
+          <a:lstStyle/>
+          <a:p>
+            <a:pPr algn="ctr"/>
+            <a:endParaRPr lang="zh-CN" altLang="en-US">
+              <a:cs typeface="+mn-ea"/>
+              <a:sym typeface="+mn-lt"/>
+            </a:endParaRPr>
+          </a:p>
+        </p:txBody>
+      </p:sp>
+      <p:sp>
+        <p:nvSpPr>
+          <p:cNvPr id="13" name="TextBox 28">
+            <a:extLst>
+              <a:ext uri="{FF2B5EF4-FFF2-40B4-BE49-F238E27FC236}">
+                <a16:creationId xmlns:a16="http://schemas.microsoft.com/office/drawing/2014/main" id="{0D90288A-4817-27E9-103F-FD459454DA6C}"/>
+              </a:ext>
+            </a:extLst>
+          </p:cNvPr>
+          <p:cNvSpPr txBox="1"/>
+          <p:nvPr/>
+        </p:nvSpPr>
+        <p:spPr>
+          <a:xfrm>
+            <a:off x="803599" y="468640"/>
+            <a:ext cx="7998850" cy="2677656"/>
+          </a:xfrm>
+          <a:prstGeom prst="rect">
+            <a:avLst/>
+          </a:prstGeom>
+          <a:noFill/>
+        </p:spPr>
+        <p:txBody>
+          <a:bodyPr wrap="square" rtlCol="0">
+            <a:spAutoFit/>
+          </a:bodyPr>
+          <a:lstStyle/>
+          <a:p>
+            <a:pPr algn="r">
+              <a:defRPr/>
+            </a:pPr>
+            <a:r>
+              <a:rPr lang="en-US" altLang="zh-CN" sz="2800" b="1" dirty="0">
+                <a:solidFill>
+                  <a:srgbClr val="000000">
+                    <a:lumMod val="65000"/>
+                    <a:lumOff val="35000"/>
+                  </a:srgbClr>
+                </a:solidFill>
+                <a:latin typeface="Agency FB" panose="020B0503020202020204" pitchFamily="34" charset="0"/>
+                <a:ea typeface="微软雅黑"/>
+                <a:cs typeface="+mn-ea"/>
+              </a:rPr>
+              <a:t>Warehouse block, Customer rating, reach on time line graph</a:t>
+            </a:r>
+          </a:p>
+          <a:p>
+            <a:pPr algn="r">
+              <a:defRPr/>
+            </a:pPr>
+            <a:endParaRPr lang="en-US" altLang="zh-CN" sz="2800" b="1" dirty="0">
+              <a:solidFill>
+                <a:srgbClr val="000000">
+                  <a:lumMod val="65000"/>
+                  <a:lumOff val="35000"/>
+                </a:srgbClr>
+              </a:solidFill>
+              <a:latin typeface="Agency FB" panose="020B0503020202020204" pitchFamily="34" charset="0"/>
+              <a:ea typeface="微软雅黑"/>
+              <a:cs typeface="+mn-ea"/>
+            </a:endParaRPr>
+          </a:p>
+          <a:p>
+            <a:pPr algn="r">
+              <a:defRPr/>
+            </a:pPr>
+            <a:endParaRPr lang="en-US" altLang="zh-CN" sz="2800" b="1" dirty="0">
+              <a:solidFill>
+                <a:srgbClr val="000000">
+                  <a:lumMod val="65000"/>
+                  <a:lumOff val="35000"/>
+                </a:srgbClr>
+              </a:solidFill>
+              <a:latin typeface="Agency FB" panose="020B0503020202020204" pitchFamily="34" charset="0"/>
+              <a:ea typeface="微软雅黑"/>
+              <a:cs typeface="+mn-ea"/>
+            </a:endParaRPr>
+          </a:p>
+          <a:p>
+            <a:pPr algn="r">
+              <a:defRPr/>
+            </a:pPr>
+            <a:endParaRPr lang="en-US" altLang="zh-CN" sz="2800" b="1" dirty="0">
+              <a:solidFill>
+                <a:srgbClr val="000000">
+                  <a:lumMod val="65000"/>
+                  <a:lumOff val="35000"/>
+                </a:srgbClr>
+              </a:solidFill>
+              <a:latin typeface="Agency FB" panose="020B0503020202020204" pitchFamily="34" charset="0"/>
+              <a:ea typeface="微软雅黑"/>
+              <a:cs typeface="+mn-ea"/>
+            </a:endParaRPr>
+          </a:p>
+          <a:p>
+            <a:pPr algn="r">
+              <a:defRPr/>
+            </a:pPr>
+            <a:endParaRPr lang="en-US" altLang="zh-CN" sz="2800" b="1" dirty="0">
+              <a:solidFill>
+                <a:srgbClr val="000000">
+                  <a:lumMod val="65000"/>
+                  <a:lumOff val="35000"/>
+                </a:srgbClr>
+              </a:solidFill>
+              <a:latin typeface="Agency FB" panose="020B0503020202020204" pitchFamily="34" charset="0"/>
+              <a:ea typeface="微软雅黑"/>
+              <a:cs typeface="+mn-ea"/>
+            </a:endParaRPr>
+          </a:p>
+          <a:p>
+            <a:pPr marL="0" marR="0" lvl="0" indent="0" algn="r" defTabSz="914400" rtl="0" eaLnBrk="1" fontAlgn="auto" latinLnBrk="0" hangingPunct="1">
+              <a:lnSpc>
+                <a:spcPct val="100000"/>
+              </a:lnSpc>
+              <a:spcBef>
+                <a:spcPts val="0"/>
+              </a:spcBef>
+              <a:spcAft>
+                <a:spcPts val="0"/>
+              </a:spcAft>
+              <a:buClrTx/>
+              <a:buSzTx/>
+              <a:buFontTx/>
+              <a:buNone/>
+              <a:tabLst/>
+              <a:defRPr/>
+            </a:pPr>
+            <a:endParaRPr kumimoji="0" lang="id-ID" sz="2800" b="1" i="0" u="none" strike="noStrike" kern="1200" cap="none" spc="0" normalizeH="0" baseline="0" noProof="0" dirty="0">
+              <a:ln>
+                <a:noFill/>
+              </a:ln>
+              <a:solidFill>
+                <a:srgbClr val="000000">
+                  <a:lumMod val="65000"/>
+                  <a:lumOff val="35000"/>
+                </a:srgbClr>
+              </a:solidFill>
+              <a:effectLst/>
+              <a:uLnTx/>
+              <a:uFillTx/>
+              <a:latin typeface="Agency FB" panose="020B0503020202020204" pitchFamily="34" charset="0"/>
+              <a:ea typeface="微软雅黑"/>
+              <a:cs typeface="+mn-ea"/>
+              <a:sym typeface="+mn-lt"/>
+            </a:endParaRPr>
+          </a:p>
+        </p:txBody>
+      </p:sp>
+      <p:sp>
+        <p:nvSpPr>
+          <p:cNvPr id="14" name="矩形 13">
+            <a:extLst>
+              <a:ext uri="{FF2B5EF4-FFF2-40B4-BE49-F238E27FC236}">
+                <a16:creationId xmlns:a16="http://schemas.microsoft.com/office/drawing/2014/main" id="{5AEB6508-FE28-B12C-C5E3-35AC3B9E9B60}"/>
+              </a:ext>
+            </a:extLst>
+          </p:cNvPr>
+          <p:cNvSpPr/>
+          <p:nvPr/>
+        </p:nvSpPr>
+        <p:spPr>
+          <a:xfrm>
+            <a:off x="1011034" y="468640"/>
+            <a:ext cx="113573" cy="591328"/>
+          </a:xfrm>
+          <a:prstGeom prst="rect">
+            <a:avLst/>
+          </a:prstGeom>
+          <a:solidFill>
+            <a:srgbClr val="156F6D"/>
+          </a:solidFill>
+          <a:ln>
+            <a:noFill/>
+          </a:ln>
+        </p:spPr>
+        <p:style>
+          <a:lnRef idx="2">
+            <a:schemeClr val="accent1">
+              <a:shade val="50000"/>
+            </a:schemeClr>
+          </a:lnRef>
+          <a:fillRef idx="1">
+            <a:schemeClr val="accent1"/>
+          </a:fillRef>
+          <a:effectRef idx="0">
+            <a:schemeClr val="accent1"/>
+          </a:effectRef>
+          <a:fontRef idx="minor">
+            <a:schemeClr val="lt1"/>
+          </a:fontRef>
+        </p:style>
+        <p:txBody>
+          <a:bodyPr rtlCol="0" anchor="ctr"/>
+          <a:lstStyle/>
+          <a:p>
+            <a:pPr marL="0" marR="0" lvl="0" indent="0" algn="ctr" defTabSz="914400" rtl="0" eaLnBrk="1" fontAlgn="auto" latinLnBrk="0" hangingPunct="1">
+              <a:lnSpc>
+                <a:spcPct val="100000"/>
+              </a:lnSpc>
+              <a:spcBef>
+                <a:spcPts val="0"/>
+              </a:spcBef>
+              <a:spcAft>
+                <a:spcPts val="0"/>
+              </a:spcAft>
+              <a:buClrTx/>
+              <a:buSzTx/>
+              <a:buFontTx/>
+              <a:buNone/>
+              <a:tabLst/>
+              <a:defRPr/>
+            </a:pPr>
+            <a:endParaRPr kumimoji="0" lang="zh-CN" altLang="en-US" sz="1800" b="0" i="0" u="none" strike="noStrike" kern="1200" cap="none" spc="0" normalizeH="0" baseline="0" noProof="0">
+              <a:ln>
+                <a:noFill/>
+              </a:ln>
+              <a:solidFill>
+                <a:srgbClr val="FFFFFF"/>
+              </a:solidFill>
+              <a:effectLst/>
+              <a:uLnTx/>
+              <a:uFillTx/>
+              <a:latin typeface="Arial"/>
+              <a:ea typeface="微软雅黑"/>
+              <a:cs typeface="+mn-ea"/>
+              <a:sym typeface="+mn-lt"/>
+            </a:endParaRPr>
+          </a:p>
+        </p:txBody>
+      </p:sp>
+      <p:sp>
+        <p:nvSpPr>
+          <p:cNvPr id="9" name="文本框 8">
+            <a:extLst>
+              <a:ext uri="{FF2B5EF4-FFF2-40B4-BE49-F238E27FC236}">
+                <a16:creationId xmlns:a16="http://schemas.microsoft.com/office/drawing/2014/main" id="{09E40F03-2D56-AABB-69CD-5648D0251A81}"/>
+              </a:ext>
+            </a:extLst>
+          </p:cNvPr>
+          <p:cNvSpPr txBox="1"/>
+          <p:nvPr/>
+        </p:nvSpPr>
+        <p:spPr>
+          <a:xfrm>
+            <a:off x="7254275" y="3338709"/>
+            <a:ext cx="4355833" cy="1754326"/>
+          </a:xfrm>
+          <a:prstGeom prst="rect">
+            <a:avLst/>
+          </a:prstGeom>
+          <a:noFill/>
+        </p:spPr>
+        <p:txBody>
+          <a:bodyPr wrap="square">
+            <a:spAutoFit/>
+          </a:bodyPr>
+          <a:lstStyle/>
+          <a:p>
+            <a:r>
+              <a:rPr lang="en-US" altLang="zh-CN" dirty="0">
+                <a:latin typeface="Consolas" panose="020B0609020204030204" pitchFamily="49" charset="0"/>
+              </a:rPr>
+              <a:t>Use a line chart to show the Warehouse block, and the relationship between the customer's evaluation level and whether the goods arrive</a:t>
+            </a:r>
+          </a:p>
+          <a:p>
+            <a:endParaRPr lang="en-US" altLang="zh-CN" b="0" dirty="0">
+              <a:effectLst/>
+              <a:latin typeface="Consolas" panose="020B0609020204030204" pitchFamily="49" charset="0"/>
+            </a:endParaRPr>
+          </a:p>
+        </p:txBody>
+      </p:sp>
+      <p:sp>
+        <p:nvSpPr>
+          <p:cNvPr id="5" name="矩形 4">
+            <a:extLst>
+              <a:ext uri="{FF2B5EF4-FFF2-40B4-BE49-F238E27FC236}">
+                <a16:creationId xmlns:a16="http://schemas.microsoft.com/office/drawing/2014/main" id="{7C17C9D5-2ADF-EEA2-0511-3584755F322B}"/>
+              </a:ext>
+            </a:extLst>
+          </p:cNvPr>
+          <p:cNvSpPr/>
+          <p:nvPr/>
+        </p:nvSpPr>
+        <p:spPr>
+          <a:xfrm>
+            <a:off x="7405407" y="3142121"/>
+            <a:ext cx="1002783" cy="45719"/>
+          </a:xfrm>
+          <a:prstGeom prst="rect">
+            <a:avLst/>
+          </a:prstGeom>
+          <a:solidFill>
+            <a:srgbClr val="1C9494"/>
+          </a:solidFill>
+          <a:ln>
+            <a:noFill/>
+          </a:ln>
+        </p:spPr>
+        <p:style>
+          <a:lnRef idx="2">
+            <a:schemeClr val="accent1">
+              <a:shade val="50000"/>
+            </a:schemeClr>
+          </a:lnRef>
+          <a:fillRef idx="1">
+            <a:schemeClr val="accent1"/>
+          </a:fillRef>
+          <a:effectRef idx="0">
+            <a:schemeClr val="accent1"/>
+          </a:effectRef>
+          <a:fontRef idx="minor">
+            <a:schemeClr val="lt1"/>
+          </a:fontRef>
+        </p:style>
+        <p:txBody>
+          <a:bodyPr rtlCol="0" anchor="ctr"/>
+          <a:lstStyle/>
+          <a:p>
+            <a:pPr algn="ctr"/>
+            <a:endParaRPr lang="zh-CN" altLang="en-US">
+              <a:cs typeface="+mn-ea"/>
+              <a:sym typeface="+mn-lt"/>
+            </a:endParaRPr>
+          </a:p>
+        </p:txBody>
+      </p:sp>
+      <p:pic>
+        <p:nvPicPr>
+          <p:cNvPr id="4" name="图片 3">
+            <a:extLst>
+              <a:ext uri="{FF2B5EF4-FFF2-40B4-BE49-F238E27FC236}">
+                <a16:creationId xmlns:a16="http://schemas.microsoft.com/office/drawing/2014/main" id="{4EEC6334-A41A-55FC-921B-F696D7D3858E}"/>
+              </a:ext>
+            </a:extLst>
+          </p:cNvPr>
+          <p:cNvPicPr>
+            <a:picLocks noChangeAspect="1"/>
+          </p:cNvPicPr>
+          <p:nvPr/>
+        </p:nvPicPr>
+        <p:blipFill>
+          <a:blip r:embed="rId3"/>
+          <a:stretch>
+            <a:fillRect/>
+          </a:stretch>
+        </p:blipFill>
+        <p:spPr>
+          <a:xfrm>
+            <a:off x="150384" y="2196881"/>
+            <a:ext cx="6715174" cy="4448208"/>
+          </a:xfrm>
+          <a:prstGeom prst="rect">
+            <a:avLst/>
+          </a:prstGeom>
+        </p:spPr>
+      </p:pic>
+    </p:spTree>
+    <p:extLst>
+      <p:ext uri="{BB962C8B-B14F-4D97-AF65-F5344CB8AC3E}">
+        <p14:creationId xmlns:p14="http://schemas.microsoft.com/office/powerpoint/2010/main" val="1449029442"/>
+      </p:ext>
+    </p:extLst>
+  </p:cSld>
+  <p:clrMapOvr>
+    <a:masterClrMapping/>
+  </p:clrMapOvr>
+  <mc:AlternateContent xmlns:mc="http://schemas.openxmlformats.org/markup-compatibility/2006" xmlns:p14="http://schemas.microsoft.com/office/powerpoint/2010/main">
+    <mc:Choice Requires="p14">
+      <p:transition spd="slow" p14:dur="1500" advTm="0">
+        <p:random/>
+      </p:transition>
+    </mc:Choice>
+    <mc:Fallback xmlns="">
+      <p:transition spd="slow" advTm="0">
+        <p:random/>
+      </p:transition>
+    </mc:Fallback>
+  </mc:AlternateContent>
+  <p:timing>
+    <p:tnLst>
+      <p:par>
+        <p:cTn id="1" dur="indefinite" restart="never" nodeType="tmRoot">
+          <p:childTnLst>
+            <p:seq concurrent="1" nextAc="seek">
+              <p:cTn id="2" dur="indefinite" nodeType="mainSeq">
+                <p:childTnLst>
+                  <p:par>
+                    <p:cTn id="3" fill="hold">
+                      <p:stCondLst>
+                        <p:cond delay="indefinite"/>
+                        <p:cond evt="onBegin" delay="0">
+                          <p:tn val="2"/>
+                        </p:cond>
+                      </p:stCondLst>
+                      <p:childTnLst>
+                        <p:par>
+                          <p:cTn id="4" fill="hold">
+                            <p:stCondLst>
+                              <p:cond delay="0"/>
+                            </p:stCondLst>
+                            <p:childTnLst>
+                              <p:par>
+                                <p:cTn id="5" presetID="22" presetClass="entr" presetSubtype="8" fill="hold" grpId="0" nodeType="afterEffect">
+                                  <p:stCondLst>
+                                    <p:cond delay="0"/>
+                                  </p:stCondLst>
+                                  <p:childTnLst>
+                                    <p:set>
+                                      <p:cBhvr>
+                                        <p:cTn id="6" dur="1" fill="hold">
+                                          <p:stCondLst>
+                                            <p:cond delay="0"/>
+                                          </p:stCondLst>
+                                        </p:cTn>
+                                        <p:tgtEl>
+                                          <p:spTgt spid="29"/>
+                                        </p:tgtEl>
+                                        <p:attrNameLst>
+                                          <p:attrName>style.visibility</p:attrName>
+                                        </p:attrNameLst>
+                                      </p:cBhvr>
+                                      <p:to>
+                                        <p:strVal val="visible"/>
+                                      </p:to>
+                                    </p:set>
+                                    <p:animEffect transition="in" filter="wipe(left)">
+                                      <p:cBhvr>
+                                        <p:cTn id="7" dur="500"/>
+                                        <p:tgtEl>
+                                          <p:spTgt spid="29"/>
+                                        </p:tgtEl>
+                                      </p:cBhvr>
+                                    </p:animEffect>
+                                  </p:childTnLst>
+                                </p:cTn>
+                              </p:par>
+                            </p:childTnLst>
+                          </p:cTn>
+                        </p:par>
+                        <p:par>
+                          <p:cTn id="8" fill="hold">
+                            <p:stCondLst>
+                              <p:cond delay="500"/>
+                            </p:stCondLst>
+                            <p:childTnLst>
+                              <p:par>
+                                <p:cTn id="9" presetID="10" presetClass="entr" presetSubtype="0" fill="hold" grpId="0" nodeType="afterEffect">
+                                  <p:stCondLst>
+                                    <p:cond delay="0"/>
+                                  </p:stCondLst>
+                                  <p:childTnLst>
+                                    <p:set>
+                                      <p:cBhvr>
+                                        <p:cTn id="10" dur="1" fill="hold">
+                                          <p:stCondLst>
+                                            <p:cond delay="0"/>
+                                          </p:stCondLst>
+                                        </p:cTn>
+                                        <p:tgtEl>
+                                          <p:spTgt spid="14"/>
+                                        </p:tgtEl>
+                                        <p:attrNameLst>
+                                          <p:attrName>style.visibility</p:attrName>
+                                        </p:attrNameLst>
+                                      </p:cBhvr>
+                                      <p:to>
+                                        <p:strVal val="visible"/>
+                                      </p:to>
+                                    </p:set>
+                                    <p:animEffect transition="in" filter="fade">
+                                      <p:cBhvr>
+                                        <p:cTn id="11" dur="500"/>
+                                        <p:tgtEl>
+                                          <p:spTgt spid="14"/>
+                                        </p:tgtEl>
+                                      </p:cBhvr>
+                                    </p:animEffect>
+                                  </p:childTnLst>
+                                </p:cTn>
+                              </p:par>
+                              <p:par>
+                                <p:cTn id="12" presetID="22" presetClass="entr" presetSubtype="8" fill="hold" grpId="0" nodeType="withEffect">
+                                  <p:stCondLst>
+                                    <p:cond delay="0"/>
+                                  </p:stCondLst>
+                                  <p:childTnLst>
+                                    <p:set>
+                                      <p:cBhvr>
+                                        <p:cTn id="13" dur="1" fill="hold">
+                                          <p:stCondLst>
+                                            <p:cond delay="0"/>
+                                          </p:stCondLst>
+                                        </p:cTn>
+                                        <p:tgtEl>
+                                          <p:spTgt spid="5"/>
+                                        </p:tgtEl>
+                                        <p:attrNameLst>
+                                          <p:attrName>style.visibility</p:attrName>
+                                        </p:attrNameLst>
+                                      </p:cBhvr>
+                                      <p:to>
+                                        <p:strVal val="visible"/>
+                                      </p:to>
+                                    </p:set>
+                                    <p:animEffect transition="in" filter="wipe(left)">
+                                      <p:cBhvr>
+                                        <p:cTn id="14" dur="500"/>
+                                        <p:tgtEl>
+                                          <p:spTgt spid="5"/>
+                                        </p:tgtEl>
+                                      </p:cBhvr>
+                                    </p:animEffect>
+                                  </p:childTnLst>
+                                </p:cTn>
+                              </p:par>
+                            </p:childTnLst>
+                          </p:cTn>
+                        </p:par>
+                      </p:childTnLst>
+                    </p:cTn>
+                  </p:par>
+                </p:childTnLst>
+              </p:cTn>
+              <p:prevCondLst>
+                <p:cond evt="onPrev" delay="0">
+                  <p:tgtEl>
+                    <p:sldTgt/>
+                  </p:tgtEl>
+                </p:cond>
+              </p:prevCondLst>
+              <p:nextCondLst>
+                <p:cond evt="onNext" delay="0">
+                  <p:tgtEl>
+                    <p:sldTgt/>
+                  </p:tgtEl>
+                </p:cond>
+              </p:nextCondLst>
+            </p:seq>
+          </p:childTnLst>
+        </p:cTn>
+      </p:par>
+    </p:tnLst>
+    <p:bldLst>
+      <p:bldP spid="29" grpId="0" animBg="1"/>
+      <p:bldP spid="14" grpId="0" bldLvl="0" animBg="1"/>
+      <p:bldP spid="5" grpId="0" animBg="1"/>
+    </p:bldLst>
+  </p:timing>
+</p:sld>
+</file>
+
+<file path=ppt/slides/slide17.xml><?xml version="1.0" encoding="utf-8"?>
+<p:sld xmlns:a="http://schemas.openxmlformats.org/drawingml/2006/main" xmlns:r="http://schemas.openxmlformats.org/officeDocument/2006/relationships" xmlns:p="http://schemas.openxmlformats.org/presentationml/2006/main">
+  <p:cSld>
+    <p:spTree>
+      <p:nvGrpSpPr>
+        <p:cNvPr id="1" name=""/>
+        <p:cNvGrpSpPr/>
+        <p:nvPr/>
+      </p:nvGrpSpPr>
+      <p:grpSpPr>
+        <a:xfrm>
+          <a:off x="0" y="0"/>
+          <a:ext cx="0" cy="0"/>
+          <a:chOff x="0" y="0"/>
+          <a:chExt cx="0" cy="0"/>
+        </a:xfrm>
+      </p:grpSpPr>
+      <p:sp>
+        <p:nvSpPr>
           <p:cNvPr id="2" name="文本框 1">
             <a:extLst>
               <a:ext uri="{FF2B5EF4-FFF2-40B4-BE49-F238E27FC236}">
@@ -17278,7 +20618,7 @@
         <p:spPr>
           <a:xfrm>
             <a:off x="2292467" y="1082995"/>
-            <a:ext cx="8909662" cy="5909310"/>
+            <a:ext cx="8269156" cy="5909310"/>
           </a:xfrm>
           <a:prstGeom prst="rect">
             <a:avLst/>
@@ -17303,11 +20643,11 @@
                     <a:lumOff val="25000"/>
                   </a:srgbClr>
                 </a:solidFill>
-                <a:latin typeface="等线" panose="02010600030101010101" pitchFamily="2" charset="-122"/>
+                <a:latin typeface="Times New Roman" panose="02020603050405020304" pitchFamily="18" charset="0"/>
                 <a:ea typeface="等线" panose="02010600030101010101" pitchFamily="2" charset="-122"/>
-                <a:cs typeface="+mn-ea"/>
+                <a:cs typeface="Times New Roman" panose="02020603050405020304" pitchFamily="18" charset="0"/>
               </a:rPr>
-              <a:t>Warehouse block: The Company have big Warehouse which is divided in to block such as A,B,C,D,E.</a:t>
+              <a:t>Warehouse block: The Company have big Warehouse which is divided in to block such as A,B,C,D,F.</a:t>
             </a:r>
           </a:p>
           <a:p>
@@ -17319,9 +20659,9 @@
                   <a:lumOff val="25000"/>
                 </a:srgbClr>
               </a:solidFill>
-              <a:latin typeface="等线" panose="02010600030101010101" pitchFamily="2" charset="-122"/>
+              <a:latin typeface="Times New Roman" panose="02020603050405020304" pitchFamily="18" charset="0"/>
               <a:ea typeface="等线" panose="02010600030101010101" pitchFamily="2" charset="-122"/>
-              <a:cs typeface="+mn-ea"/>
+              <a:cs typeface="Times New Roman" panose="02020603050405020304" pitchFamily="18" charset="0"/>
             </a:endParaRPr>
           </a:p>
           <a:p>
@@ -17337,9 +20677,9 @@
                     <a:lumOff val="25000"/>
                   </a:srgbClr>
                 </a:solidFill>
-                <a:latin typeface="等线" panose="02010600030101010101" pitchFamily="2" charset="-122"/>
+                <a:latin typeface="Times New Roman" panose="02020603050405020304" pitchFamily="18" charset="0"/>
                 <a:ea typeface="等线" panose="02010600030101010101" pitchFamily="2" charset="-122"/>
-                <a:cs typeface="+mn-ea"/>
+                <a:cs typeface="Times New Roman" panose="02020603050405020304" pitchFamily="18" charset="0"/>
               </a:rPr>
               <a:t>Mode of shipment: The Company Ships the products in multiple way such as Ship, Flight and Road.</a:t>
             </a:r>
@@ -17353,9 +20693,9 @@
                   <a:lumOff val="25000"/>
                 </a:srgbClr>
               </a:solidFill>
-              <a:latin typeface="等线" panose="02010600030101010101" pitchFamily="2" charset="-122"/>
+              <a:latin typeface="Times New Roman" panose="02020603050405020304" pitchFamily="18" charset="0"/>
               <a:ea typeface="等线" panose="02010600030101010101" pitchFamily="2" charset="-122"/>
-              <a:cs typeface="+mn-ea"/>
+              <a:cs typeface="Times New Roman" panose="02020603050405020304" pitchFamily="18" charset="0"/>
             </a:endParaRPr>
           </a:p>
           <a:p>
@@ -17371,9 +20711,9 @@
                     <a:lumOff val="25000"/>
                   </a:srgbClr>
                 </a:solidFill>
-                <a:latin typeface="等线" panose="02010600030101010101" pitchFamily="2" charset="-122"/>
+                <a:latin typeface="Times New Roman" panose="02020603050405020304" pitchFamily="18" charset="0"/>
                 <a:ea typeface="等线" panose="02010600030101010101" pitchFamily="2" charset="-122"/>
-                <a:cs typeface="+mn-ea"/>
+                <a:cs typeface="Times New Roman" panose="02020603050405020304" pitchFamily="18" charset="0"/>
               </a:rPr>
               <a:t>Customer rating: The company has rated from every customer. 1 is the lowest (Worst), 5 is the highest (Best).</a:t>
             </a:r>
@@ -17387,9 +20727,9 @@
                   <a:lumOff val="25000"/>
                 </a:srgbClr>
               </a:solidFill>
-              <a:latin typeface="等线" panose="02010600030101010101" pitchFamily="2" charset="-122"/>
+              <a:latin typeface="Times New Roman" panose="02020603050405020304" pitchFamily="18" charset="0"/>
               <a:ea typeface="等线" panose="02010600030101010101" pitchFamily="2" charset="-122"/>
-              <a:cs typeface="+mn-ea"/>
+              <a:cs typeface="Times New Roman" panose="02020603050405020304" pitchFamily="18" charset="0"/>
             </a:endParaRPr>
           </a:p>
           <a:p>
@@ -17405,9 +20745,9 @@
                     <a:lumOff val="25000"/>
                   </a:srgbClr>
                 </a:solidFill>
-                <a:latin typeface="等线" panose="02010600030101010101" pitchFamily="2" charset="-122"/>
+                <a:latin typeface="Times New Roman" panose="02020603050405020304" pitchFamily="18" charset="0"/>
                 <a:ea typeface="等线" panose="02010600030101010101" pitchFamily="2" charset="-122"/>
-                <a:cs typeface="+mn-ea"/>
+                <a:cs typeface="Times New Roman" panose="02020603050405020304" pitchFamily="18" charset="0"/>
               </a:rPr>
               <a:t>Cost of the product: Cost of the Product in US Dollars.</a:t>
             </a:r>
@@ -17421,9 +20761,9 @@
                   <a:lumOff val="25000"/>
                 </a:srgbClr>
               </a:solidFill>
-              <a:latin typeface="等线" panose="02010600030101010101" pitchFamily="2" charset="-122"/>
+              <a:latin typeface="Times New Roman" panose="02020603050405020304" pitchFamily="18" charset="0"/>
               <a:ea typeface="等线" panose="02010600030101010101" pitchFamily="2" charset="-122"/>
-              <a:cs typeface="+mn-ea"/>
+              <a:cs typeface="Times New Roman" panose="02020603050405020304" pitchFamily="18" charset="0"/>
             </a:endParaRPr>
           </a:p>
           <a:p>
@@ -17439,9 +20779,9 @@
                     <a:lumOff val="25000"/>
                   </a:srgbClr>
                 </a:solidFill>
-                <a:latin typeface="等线" panose="02010600030101010101" pitchFamily="2" charset="-122"/>
+                <a:latin typeface="Times New Roman" panose="02020603050405020304" pitchFamily="18" charset="0"/>
                 <a:ea typeface="等线" panose="02010600030101010101" pitchFamily="2" charset="-122"/>
-                <a:cs typeface="+mn-ea"/>
+                <a:cs typeface="Times New Roman" panose="02020603050405020304" pitchFamily="18" charset="0"/>
               </a:rPr>
               <a:t>Gender: Male and Female.</a:t>
             </a:r>
@@ -17455,9 +20795,9 @@
                   <a:lumOff val="25000"/>
                 </a:srgbClr>
               </a:solidFill>
-              <a:latin typeface="等线" panose="02010600030101010101" pitchFamily="2" charset="-122"/>
+              <a:latin typeface="Times New Roman" panose="02020603050405020304" pitchFamily="18" charset="0"/>
               <a:ea typeface="等线" panose="02010600030101010101" pitchFamily="2" charset="-122"/>
-              <a:cs typeface="+mn-ea"/>
+              <a:cs typeface="Times New Roman" panose="02020603050405020304" pitchFamily="18" charset="0"/>
             </a:endParaRPr>
           </a:p>
           <a:p>
@@ -17473,9 +20813,9 @@
                     <a:lumOff val="25000"/>
                   </a:srgbClr>
                 </a:solidFill>
-                <a:latin typeface="等线" panose="02010600030101010101" pitchFamily="2" charset="-122"/>
+                <a:latin typeface="Times New Roman" panose="02020603050405020304" pitchFamily="18" charset="0"/>
                 <a:ea typeface="等线" panose="02010600030101010101" pitchFamily="2" charset="-122"/>
-                <a:cs typeface="+mn-ea"/>
+                <a:cs typeface="Times New Roman" panose="02020603050405020304" pitchFamily="18" charset="0"/>
               </a:rPr>
               <a:t>Discount offered: Discount offered on that specific product.</a:t>
             </a:r>
@@ -17493,9 +20833,9 @@
                     <a:lumOff val="25000"/>
                   </a:srgbClr>
                 </a:solidFill>
-                <a:latin typeface="等线" panose="02010600030101010101" pitchFamily="2" charset="-122"/>
+                <a:latin typeface="Times New Roman" panose="02020603050405020304" pitchFamily="18" charset="0"/>
                 <a:ea typeface="等线" panose="02010600030101010101" pitchFamily="2" charset="-122"/>
-                <a:cs typeface="+mn-ea"/>
+                <a:cs typeface="Times New Roman" panose="02020603050405020304" pitchFamily="18" charset="0"/>
               </a:rPr>
               <a:t>Weight in </a:t>
             </a:r>
@@ -17507,9 +20847,9 @@
                     <a:lumOff val="25000"/>
                   </a:srgbClr>
                 </a:solidFill>
-                <a:latin typeface="等线" panose="02010600030101010101" pitchFamily="2" charset="-122"/>
+                <a:latin typeface="Times New Roman" panose="02020603050405020304" pitchFamily="18" charset="0"/>
                 <a:ea typeface="等线" panose="02010600030101010101" pitchFamily="2" charset="-122"/>
-                <a:cs typeface="+mn-ea"/>
+                <a:cs typeface="Times New Roman" panose="02020603050405020304" pitchFamily="18" charset="0"/>
               </a:rPr>
               <a:t>gms</a:t>
             </a:r>
@@ -17521,9 +20861,9 @@
                     <a:lumOff val="25000"/>
                   </a:srgbClr>
                 </a:solidFill>
-                <a:latin typeface="等线" panose="02010600030101010101" pitchFamily="2" charset="-122"/>
+                <a:latin typeface="Times New Roman" panose="02020603050405020304" pitchFamily="18" charset="0"/>
                 <a:ea typeface="等线" panose="02010600030101010101" pitchFamily="2" charset="-122"/>
-                <a:cs typeface="+mn-ea"/>
+                <a:cs typeface="Times New Roman" panose="02020603050405020304" pitchFamily="18" charset="0"/>
               </a:rPr>
               <a:t>: It is the weight in grams.</a:t>
             </a:r>
@@ -17537,9 +20877,9 @@
                   <a:lumOff val="25000"/>
                 </a:srgbClr>
               </a:solidFill>
-              <a:latin typeface="等线" panose="02010600030101010101" pitchFamily="2" charset="-122"/>
+              <a:latin typeface="Times New Roman" panose="02020603050405020304" pitchFamily="18" charset="0"/>
               <a:ea typeface="等线" panose="02010600030101010101" pitchFamily="2" charset="-122"/>
-              <a:cs typeface="+mn-ea"/>
+              <a:cs typeface="Times New Roman" panose="02020603050405020304" pitchFamily="18" charset="0"/>
             </a:endParaRPr>
           </a:p>
           <a:p>
@@ -17555,9 +20895,9 @@
                     <a:lumOff val="25000"/>
                   </a:srgbClr>
                 </a:solidFill>
-                <a:latin typeface="等线" panose="02010600030101010101" pitchFamily="2" charset="-122"/>
+                <a:latin typeface="Times New Roman" panose="02020603050405020304" pitchFamily="18" charset="0"/>
                 <a:ea typeface="等线" panose="02010600030101010101" pitchFamily="2" charset="-122"/>
-                <a:cs typeface="+mn-ea"/>
+                <a:cs typeface="Times New Roman" panose="02020603050405020304" pitchFamily="18" charset="0"/>
               </a:rPr>
               <a:t>Reached on time: It is the target variable, where 1 Indicates that the product has NOT reached on time and 0 indicates it has reached on time.</a:t>
             </a:r>
